--- a/20251106-同平台runtime预测-金.pptx
+++ b/20251106-同平台runtime预测-金.pptx
@@ -267,7 +267,7 @@
           <a:p>
             <a:fld id="{F785A1BD-EBB2-4221-B6F1-84446E81673C}" type="datetimeFigureOut">
               <a:rPr lang="zh-CN" altLang="en-US" smtClean="0"/>
-              <a:t>2025/11/12</a:t>
+              <a:t>2025/11/13</a:t>
             </a:fld>
             <a:endParaRPr lang="zh-CN" altLang="en-US"/>
           </a:p>
@@ -1286,7 +1286,7 @@
           <a:p>
             <a:fld id="{A74D7855-EED6-4AD6-A64F-58B6342230CF}" type="datetimeFigureOut">
               <a:rPr lang="zh-CN" altLang="en-US" smtClean="0"/>
-              <a:t>2025/11/12</a:t>
+              <a:t>2025/11/13</a:t>
             </a:fld>
             <a:endParaRPr lang="zh-CN" altLang="en-US"/>
           </a:p>
@@ -1547,7 +1547,7 @@
           <a:p>
             <a:fld id="{A74D7855-EED6-4AD6-A64F-58B6342230CF}" type="datetimeFigureOut">
               <a:rPr lang="zh-CN" altLang="en-US" smtClean="0"/>
-              <a:t>2025/11/12</a:t>
+              <a:t>2025/11/13</a:t>
             </a:fld>
             <a:endParaRPr lang="zh-CN" altLang="en-US"/>
           </a:p>
@@ -23153,7 +23153,7 @@
         </p:blipFill>
         <p:spPr>
           <a:xfrm>
-            <a:off x="7429500" y="2970530"/>
+            <a:off x="7429500" y="3198177"/>
             <a:ext cx="3343275" cy="1060450"/>
           </a:xfrm>
           <a:prstGeom prst="rect">
@@ -23177,8 +23177,8 @@
         </p:blipFill>
         <p:spPr>
           <a:xfrm>
-            <a:off x="6843395" y="5300345"/>
-            <a:ext cx="4013835" cy="1100455"/>
+            <a:off x="6409691" y="5709078"/>
+            <a:ext cx="4418280" cy="1100455"/>
           </a:xfrm>
           <a:prstGeom prst="rect">
             <a:avLst/>
@@ -33655,7 +33655,7 @@
             </a:r>
             <a:r>
               <a:rPr lang="zh-CN" altLang="en-US" sz="2000" dirty="0"/>
-              <a:t>两种有先验的拟合方式效果普遍较好，原因在于算子的复杂度已知。</a:t>
+              <a:t>两种有先验的拟合方式效果普遍较好，原因在于算子的复杂度已知（有先验）。</a:t>
             </a:r>
             <a:endParaRPr lang="zh-CN" altLang="en-US" sz="1800" dirty="0"/>
           </a:p>

--- a/20251106-同平台runtime预测-金.pptx
+++ b/20251106-同平台runtime预测-金.pptx
@@ -40,32 +40,33 @@
     <p:sldMasterId id="2147483684" r:id="rId36"/>
   </p:sldMasterIdLst>
   <p:notesMasterIdLst>
-    <p:notesMasterId r:id="rId60"/>
+    <p:notesMasterId r:id="rId61"/>
   </p:notesMasterIdLst>
   <p:sldIdLst>
     <p:sldId id="281" r:id="rId37"/>
     <p:sldId id="284" r:id="rId38"/>
     <p:sldId id="303" r:id="rId39"/>
-    <p:sldId id="315" r:id="rId40"/>
-    <p:sldId id="282" r:id="rId41"/>
-    <p:sldId id="286" r:id="rId42"/>
-    <p:sldId id="283" r:id="rId43"/>
-    <p:sldId id="290" r:id="rId44"/>
-    <p:sldId id="275" r:id="rId45"/>
-    <p:sldId id="268" r:id="rId46"/>
-    <p:sldId id="276" r:id="rId47"/>
-    <p:sldId id="267" r:id="rId48"/>
-    <p:sldId id="274" r:id="rId49"/>
-    <p:sldId id="271" r:id="rId50"/>
-    <p:sldId id="280" r:id="rId51"/>
-    <p:sldId id="279" r:id="rId52"/>
-    <p:sldId id="309" r:id="rId53"/>
-    <p:sldId id="313" r:id="rId54"/>
-    <p:sldId id="310" r:id="rId55"/>
-    <p:sldId id="312" r:id="rId56"/>
-    <p:sldId id="311" r:id="rId57"/>
-    <p:sldId id="316" r:id="rId58"/>
-    <p:sldId id="314" r:id="rId59"/>
+    <p:sldId id="317" r:id="rId40"/>
+    <p:sldId id="315" r:id="rId41"/>
+    <p:sldId id="282" r:id="rId42"/>
+    <p:sldId id="286" r:id="rId43"/>
+    <p:sldId id="283" r:id="rId44"/>
+    <p:sldId id="290" r:id="rId45"/>
+    <p:sldId id="275" r:id="rId46"/>
+    <p:sldId id="268" r:id="rId47"/>
+    <p:sldId id="276" r:id="rId48"/>
+    <p:sldId id="267" r:id="rId49"/>
+    <p:sldId id="274" r:id="rId50"/>
+    <p:sldId id="271" r:id="rId51"/>
+    <p:sldId id="280" r:id="rId52"/>
+    <p:sldId id="279" r:id="rId53"/>
+    <p:sldId id="309" r:id="rId54"/>
+    <p:sldId id="313" r:id="rId55"/>
+    <p:sldId id="310" r:id="rId56"/>
+    <p:sldId id="312" r:id="rId57"/>
+    <p:sldId id="311" r:id="rId58"/>
+    <p:sldId id="316" r:id="rId59"/>
+    <p:sldId id="314" r:id="rId60"/>
   </p:sldIdLst>
   <p:sldSz cx="12192000" cy="6858000"/>
   <p:notesSz cx="6858000" cy="9144000"/>
@@ -254,7 +255,7 @@
           <a:p>
             <a:fld id="{F785A1BD-EBB2-4221-B6F1-84446E81673C}" type="datetimeFigureOut">
               <a:rPr lang="zh-CN" altLang="en-US" smtClean="0"/>
-              <a:t>2025/11/14</a:t>
+              <a:t>2025/11/22</a:t>
             </a:fld>
             <a:endParaRPr lang="zh-CN" altLang="en-US"/>
           </a:p>
@@ -660,7 +661,7 @@
           <a:p>
             <a:fld id="{C8B21C38-39FE-4F8D-AC4A-724D319BA239}" type="slidenum">
               <a:rPr lang="zh-CN" altLang="en-US" smtClean="0"/>
-              <a:t>5</a:t>
+              <a:t>6</a:t>
             </a:fld>
             <a:endParaRPr lang="zh-CN" altLang="en-US"/>
           </a:p>
@@ -739,7 +740,7 @@
           <a:p>
             <a:fld id="{C8B21C38-39FE-4F8D-AC4A-724D319BA239}" type="slidenum">
               <a:rPr lang="zh-CN" altLang="en-US" smtClean="0"/>
-              <a:t>7</a:t>
+              <a:t>8</a:t>
             </a:fld>
             <a:endParaRPr lang="zh-CN" altLang="en-US"/>
           </a:p>
@@ -818,7 +819,7 @@
           <a:p>
             <a:fld id="{C8B21C38-39FE-4F8D-AC4A-724D319BA239}" type="slidenum">
               <a:rPr lang="zh-CN" altLang="en-US" smtClean="0"/>
-              <a:t>8</a:t>
+              <a:t>9</a:t>
             </a:fld>
             <a:endParaRPr lang="zh-CN" altLang="en-US"/>
           </a:p>
@@ -897,7 +898,7 @@
           <a:p>
             <a:fld id="{C8B21C38-39FE-4F8D-AC4A-724D319BA239}" type="slidenum">
               <a:rPr lang="zh-CN" altLang="en-US" smtClean="0"/>
-              <a:t>18</a:t>
+              <a:t>19</a:t>
             </a:fld>
             <a:endParaRPr lang="zh-CN" altLang="en-US"/>
           </a:p>
@@ -976,7 +977,7 @@
           <a:p>
             <a:fld id="{C8B21C38-39FE-4F8D-AC4A-724D319BA239}" type="slidenum">
               <a:rPr lang="zh-CN" altLang="en-US" smtClean="0"/>
-              <a:t>19</a:t>
+              <a:t>20</a:t>
             </a:fld>
             <a:endParaRPr lang="zh-CN" altLang="en-US"/>
           </a:p>
@@ -1055,7 +1056,7 @@
           <a:p>
             <a:fld id="{C8B21C38-39FE-4F8D-AC4A-724D319BA239}" type="slidenum">
               <a:rPr lang="zh-CN" altLang="en-US" smtClean="0"/>
-              <a:t>21</a:t>
+              <a:t>22</a:t>
             </a:fld>
             <a:endParaRPr lang="zh-CN" altLang="en-US"/>
           </a:p>
@@ -1194,7 +1195,7 @@
           <a:p>
             <a:fld id="{A74D7855-EED6-4AD6-A64F-58B6342230CF}" type="datetimeFigureOut">
               <a:rPr lang="zh-CN" altLang="en-US" smtClean="0"/>
-              <a:t>2025/11/14</a:t>
+              <a:t>2025/11/22</a:t>
             </a:fld>
             <a:endParaRPr lang="zh-CN" altLang="en-US"/>
           </a:p>
@@ -1455,7 +1456,7 @@
           <a:p>
             <a:fld id="{A74D7855-EED6-4AD6-A64F-58B6342230CF}" type="datetimeFigureOut">
               <a:rPr lang="zh-CN" altLang="en-US" smtClean="0"/>
-              <a:t>2025/11/14</a:t>
+              <a:t>2025/11/22</a:t>
             </a:fld>
             <a:endParaRPr lang="zh-CN" altLang="en-US"/>
           </a:p>
@@ -13019,6 +13020,1120 @@
 </file>
 
 <file path=ppt/slides/slide10.xml><?xml version="1.0" encoding="utf-8"?>
+<p:sld xmlns:a="http://schemas.openxmlformats.org/drawingml/2006/main" xmlns:r="http://schemas.openxmlformats.org/officeDocument/2006/relationships" xmlns:p="http://schemas.openxmlformats.org/presentationml/2006/main">
+  <p:cSld>
+    <p:spTree>
+      <p:nvGrpSpPr>
+        <p:cNvPr id="1" name=""/>
+        <p:cNvGrpSpPr/>
+        <p:nvPr/>
+      </p:nvGrpSpPr>
+      <p:grpSpPr>
+        <a:xfrm>
+          <a:off x="0" y="0"/>
+          <a:ext cx="0" cy="0"/>
+          <a:chOff x="0" y="0"/>
+          <a:chExt cx="0" cy="0"/>
+        </a:xfrm>
+      </p:grpSpPr>
+      <p:sp>
+        <p:nvSpPr>
+          <p:cNvPr id="2" name="标题 1"/>
+          <p:cNvSpPr>
+            <a:spLocks noGrp="1"/>
+          </p:cNvSpPr>
+          <p:nvPr>
+            <p:ph type="title" idx="4294967295"/>
+          </p:nvPr>
+        </p:nvSpPr>
+        <p:spPr>
+          <a:xfrm>
+            <a:off x="124097" y="143056"/>
+            <a:ext cx="6651171" cy="457835"/>
+          </a:xfrm>
+        </p:spPr>
+        <p:txBody>
+          <a:bodyPr>
+            <a:normAutofit fontScale="90000"/>
+          </a:bodyPr>
+          <a:lstStyle/>
+          <a:p>
+            <a:r>
+              <a:rPr lang="zh-CN" altLang="en-US" sz="2800" dirty="0"/>
+              <a:t>随机森林回归</a:t>
+            </a:r>
+          </a:p>
+        </p:txBody>
+      </p:sp>
+      <p:pic>
+        <p:nvPicPr>
+          <p:cNvPr id="5" name="图片 4"/>
+          <p:cNvPicPr>
+            <a:picLocks noChangeAspect="1"/>
+          </p:cNvPicPr>
+          <p:nvPr/>
+        </p:nvPicPr>
+        <p:blipFill>
+          <a:blip r:embed="rId2">
+            <a:extLst>
+              <a:ext uri="{28A0092B-C50C-407E-A947-70E740481C1C}">
+                <a14:useLocalDpi xmlns:a14="http://schemas.microsoft.com/office/drawing/2010/main" val="0"/>
+              </a:ext>
+            </a:extLst>
+          </a:blip>
+          <a:srcRect/>
+          <a:stretch>
+            <a:fillRect/>
+          </a:stretch>
+        </p:blipFill>
+        <p:spPr>
+          <a:xfrm>
+            <a:off x="123825" y="774065"/>
+            <a:ext cx="3710940" cy="2655570"/>
+          </a:xfrm>
+          <a:prstGeom prst="rect">
+            <a:avLst/>
+          </a:prstGeom>
+        </p:spPr>
+      </p:pic>
+      <p:sp>
+        <p:nvSpPr>
+          <p:cNvPr id="8" name="标题 1"/>
+          <p:cNvSpPr txBox="1"/>
+          <p:nvPr/>
+        </p:nvSpPr>
+        <p:spPr>
+          <a:xfrm>
+            <a:off x="3583305" y="774065"/>
+            <a:ext cx="2513330" cy="2465070"/>
+          </a:xfrm>
+          <a:prstGeom prst="rect">
+            <a:avLst/>
+          </a:prstGeom>
+        </p:spPr>
+        <p:txBody>
+          <a:bodyPr vert="horz" lIns="91440" tIns="45720" rIns="91440" bIns="45720" rtlCol="0" anchor="ctr">
+            <a:noAutofit/>
+          </a:bodyPr>
+          <a:lstStyle>
+            <a:lvl1pPr algn="l" defTabSz="914400" rtl="0" eaLnBrk="1" latinLnBrk="0" hangingPunct="1">
+              <a:lnSpc>
+                <a:spcPct val="90000"/>
+              </a:lnSpc>
+              <a:spcBef>
+                <a:spcPct val="0"/>
+              </a:spcBef>
+              <a:buNone/>
+              <a:defRPr sz="4400" kern="1200">
+                <a:solidFill>
+                  <a:schemeClr val="tx1"/>
+                </a:solidFill>
+                <a:latin typeface="+mj-lt"/>
+                <a:ea typeface="+mj-ea"/>
+                <a:cs typeface="+mj-cs"/>
+              </a:defRPr>
+            </a:lvl1pPr>
+          </a:lstStyle>
+          <a:p>
+            <a:r>
+              <a:rPr lang="en-US" altLang="zh-CN" sz="1000" dirty="0">
+                <a:latin typeface="Consolas" panose="020B0609020204030204" pitchFamily="49" charset="0"/>
+              </a:rPr>
+              <a:t> model = RandomForestRegressor(</a:t>
+            </a:r>
+          </a:p>
+          <a:p>
+            <a:r>
+              <a:rPr lang="en-US" altLang="zh-CN" sz="1000" dirty="0">
+                <a:latin typeface="Consolas" panose="020B0609020204030204" pitchFamily="49" charset="0"/>
+              </a:rPr>
+              <a:t>        </a:t>
+            </a:r>
+            <a:r>
+              <a:rPr lang="en-US" altLang="zh-CN" sz="1000" dirty="0" err="1">
+                <a:latin typeface="Consolas" panose="020B0609020204030204" pitchFamily="49" charset="0"/>
+              </a:rPr>
+              <a:t>n_estimators</a:t>
+            </a:r>
+            <a:r>
+              <a:rPr lang="en-US" altLang="zh-CN" sz="1000" dirty="0">
+                <a:latin typeface="Consolas" panose="020B0609020204030204" pitchFamily="49" charset="0"/>
+              </a:rPr>
+              <a:t>=100, </a:t>
+            </a:r>
+          </a:p>
+          <a:p>
+            <a:r>
+              <a:rPr lang="en-US" altLang="zh-CN" sz="1000" dirty="0">
+                <a:latin typeface="Consolas" panose="020B0609020204030204" pitchFamily="49" charset="0"/>
+              </a:rPr>
+              <a:t>        </a:t>
+            </a:r>
+            <a:r>
+              <a:rPr lang="en-US" altLang="zh-CN" sz="1000" dirty="0" err="1">
+                <a:latin typeface="Consolas" panose="020B0609020204030204" pitchFamily="49" charset="0"/>
+              </a:rPr>
+              <a:t>random_state</a:t>
+            </a:r>
+            <a:r>
+              <a:rPr lang="en-US" altLang="zh-CN" sz="1000" dirty="0">
+                <a:latin typeface="Consolas" panose="020B0609020204030204" pitchFamily="49" charset="0"/>
+              </a:rPr>
+              <a:t>=2</a:t>
+            </a:r>
+          </a:p>
+          <a:p>
+            <a:r>
+              <a:rPr lang="en-US" altLang="zh-CN" sz="1000" dirty="0">
+                <a:latin typeface="Consolas" panose="020B0609020204030204" pitchFamily="49" charset="0"/>
+              </a:rPr>
+              <a:t>        )</a:t>
+            </a:r>
+          </a:p>
+          <a:p>
+            <a:endParaRPr lang="pt-BR" altLang="zh-CN" sz="1000" dirty="0">
+              <a:latin typeface="Alte DIN 1451 Mittelschrift gep" panose="020B0603020202020204" pitchFamily="34" charset="0"/>
+            </a:endParaRPr>
+          </a:p>
+          <a:p>
+            <a:r>
+              <a:rPr lang="pt-BR" altLang="zh-CN" sz="2000" dirty="0">
+                <a:latin typeface="Alte DIN 1451 Mittelschrift gep" panose="020B0603020202020204" pitchFamily="34" charset="0"/>
+              </a:rPr>
+              <a:t>MAPE: 0.1769</a:t>
+            </a:r>
+          </a:p>
+          <a:p>
+            <a:r>
+              <a:rPr lang="pt-BR" altLang="zh-CN" sz="2000" dirty="0">
+                <a:latin typeface="Alte DIN 1451 Mittelschrift gep" panose="020B0603020202020204" pitchFamily="34" charset="0"/>
+              </a:rPr>
+              <a:t>R²: 0.5288</a:t>
+            </a:r>
+          </a:p>
+          <a:p>
+            <a:r>
+              <a:rPr lang="pt-BR" altLang="zh-CN" sz="2000" dirty="0">
+                <a:latin typeface="Alte DIN 1451 Mittelschrift gep" panose="020B0603020202020204" pitchFamily="34" charset="0"/>
+              </a:rPr>
+              <a:t>RMSE: 236.0175</a:t>
+            </a:r>
+            <a:endParaRPr lang="zh-CN" altLang="en-US" sz="2000" dirty="0">
+              <a:latin typeface="Alte DIN 1451 Mittelschrift gep" panose="020B0603020202020204" pitchFamily="34" charset="0"/>
+            </a:endParaRPr>
+          </a:p>
+        </p:txBody>
+      </p:sp>
+      <p:pic>
+        <p:nvPicPr>
+          <p:cNvPr id="6" name="图片 5"/>
+          <p:cNvPicPr>
+            <a:picLocks noChangeAspect="1"/>
+          </p:cNvPicPr>
+          <p:nvPr/>
+        </p:nvPicPr>
+        <p:blipFill>
+          <a:blip r:embed="rId3">
+            <a:extLst>
+              <a:ext uri="{28A0092B-C50C-407E-A947-70E740481C1C}">
+                <a14:useLocalDpi xmlns:a14="http://schemas.microsoft.com/office/drawing/2010/main" val="0"/>
+              </a:ext>
+            </a:extLst>
+          </a:blip>
+          <a:srcRect/>
+          <a:stretch>
+            <a:fillRect/>
+          </a:stretch>
+        </p:blipFill>
+        <p:spPr>
+          <a:xfrm>
+            <a:off x="5965825" y="672465"/>
+            <a:ext cx="3469005" cy="2757170"/>
+          </a:xfrm>
+          <a:prstGeom prst="rect">
+            <a:avLst/>
+          </a:prstGeom>
+        </p:spPr>
+      </p:pic>
+      <p:sp>
+        <p:nvSpPr>
+          <p:cNvPr id="7" name="标题 1"/>
+          <p:cNvSpPr txBox="1"/>
+          <p:nvPr/>
+        </p:nvSpPr>
+        <p:spPr>
+          <a:xfrm>
+            <a:off x="9443447" y="774283"/>
+            <a:ext cx="2738845" cy="2593346"/>
+          </a:xfrm>
+          <a:prstGeom prst="rect">
+            <a:avLst/>
+          </a:prstGeom>
+        </p:spPr>
+        <p:txBody>
+          <a:bodyPr vert="horz" lIns="91440" tIns="45720" rIns="91440" bIns="45720" rtlCol="0" anchor="ctr">
+            <a:noAutofit/>
+          </a:bodyPr>
+          <a:lstStyle>
+            <a:lvl1pPr algn="l" defTabSz="914400" rtl="0" eaLnBrk="1" latinLnBrk="0" hangingPunct="1">
+              <a:lnSpc>
+                <a:spcPct val="90000"/>
+              </a:lnSpc>
+              <a:spcBef>
+                <a:spcPct val="0"/>
+              </a:spcBef>
+              <a:buNone/>
+              <a:defRPr sz="4400" kern="1200">
+                <a:solidFill>
+                  <a:schemeClr val="tx1"/>
+                </a:solidFill>
+                <a:latin typeface="+mj-lt"/>
+                <a:ea typeface="+mj-ea"/>
+                <a:cs typeface="+mj-cs"/>
+              </a:defRPr>
+            </a:lvl1pPr>
+          </a:lstStyle>
+          <a:p>
+            <a:r>
+              <a:rPr lang="en-US" altLang="zh-CN" sz="1000" dirty="0">
+                <a:latin typeface="Consolas" panose="020B0609020204030204" pitchFamily="49" charset="0"/>
+              </a:rPr>
+              <a:t>Best params (</a:t>
+            </a:r>
+            <a:r>
+              <a:rPr lang="en-US" altLang="zh-CN" sz="1000" dirty="0" err="1">
+                <a:latin typeface="Consolas" panose="020B0609020204030204" pitchFamily="49" charset="0"/>
+              </a:rPr>
+              <a:t>random_forest_tuned</a:t>
+            </a:r>
+            <a:r>
+              <a:rPr lang="en-US" altLang="zh-CN" sz="1000" dirty="0">
+                <a:latin typeface="Consolas" panose="020B0609020204030204" pitchFamily="49" charset="0"/>
+              </a:rPr>
+              <a:t>, FFT): {'bootstrap': False, '</a:t>
+            </a:r>
+            <a:r>
+              <a:rPr lang="en-US" altLang="zh-CN" sz="1000" dirty="0" err="1">
+                <a:latin typeface="Consolas" panose="020B0609020204030204" pitchFamily="49" charset="0"/>
+              </a:rPr>
+              <a:t>max_depth</a:t>
+            </a:r>
+            <a:r>
+              <a:rPr lang="en-US" altLang="zh-CN" sz="1000" dirty="0">
+                <a:latin typeface="Consolas" panose="020B0609020204030204" pitchFamily="49" charset="0"/>
+              </a:rPr>
+              <a:t>': 13, '</a:t>
+            </a:r>
+            <a:r>
+              <a:rPr lang="en-US" altLang="zh-CN" sz="1000" dirty="0" err="1">
+                <a:latin typeface="Consolas" panose="020B0609020204030204" pitchFamily="49" charset="0"/>
+              </a:rPr>
+              <a:t>max_features</a:t>
+            </a:r>
+            <a:r>
+              <a:rPr lang="en-US" altLang="zh-CN" sz="1000" dirty="0">
+                <a:latin typeface="Consolas" panose="020B0609020204030204" pitchFamily="49" charset="0"/>
+              </a:rPr>
+              <a:t>': 'log2', '</a:t>
+            </a:r>
+            <a:r>
+              <a:rPr lang="en-US" altLang="zh-CN" sz="1000" dirty="0" err="1">
+                <a:latin typeface="Consolas" panose="020B0609020204030204" pitchFamily="49" charset="0"/>
+              </a:rPr>
+              <a:t>min_samples_leaf</a:t>
+            </a:r>
+            <a:r>
+              <a:rPr lang="en-US" altLang="zh-CN" sz="1000" dirty="0">
+                <a:latin typeface="Consolas" panose="020B0609020204030204" pitchFamily="49" charset="0"/>
+              </a:rPr>
+              <a:t>': 3, '</a:t>
+            </a:r>
+            <a:r>
+              <a:rPr lang="en-US" altLang="zh-CN" sz="1000" dirty="0" err="1">
+                <a:latin typeface="Consolas" panose="020B0609020204030204" pitchFamily="49" charset="0"/>
+              </a:rPr>
+              <a:t>min_samples_split</a:t>
+            </a:r>
+            <a:r>
+              <a:rPr lang="en-US" altLang="zh-CN" sz="1000" dirty="0">
+                <a:latin typeface="Consolas" panose="020B0609020204030204" pitchFamily="49" charset="0"/>
+              </a:rPr>
+              <a:t>': 7, '</a:t>
+            </a:r>
+            <a:r>
+              <a:rPr lang="en-US" altLang="zh-CN" sz="1000" dirty="0" err="1">
+                <a:latin typeface="Consolas" panose="020B0609020204030204" pitchFamily="49" charset="0"/>
+              </a:rPr>
+              <a:t>n_estimators</a:t>
+            </a:r>
+            <a:r>
+              <a:rPr lang="en-US" altLang="zh-CN" sz="1000" dirty="0">
+                <a:latin typeface="Consolas" panose="020B0609020204030204" pitchFamily="49" charset="0"/>
+              </a:rPr>
+              <a:t>': 284}</a:t>
+            </a:r>
+          </a:p>
+          <a:p>
+            <a:endParaRPr lang="pt-BR" altLang="zh-CN" sz="1000" dirty="0">
+              <a:latin typeface="Alte DIN 1451 Mittelschrift gep" panose="020B0603020202020204" pitchFamily="34" charset="0"/>
+            </a:endParaRPr>
+          </a:p>
+          <a:p>
+            <a:r>
+              <a:rPr lang="pt-BR" altLang="zh-CN" sz="2000" dirty="0">
+                <a:latin typeface="Alte DIN 1451 Mittelschrift gep" panose="020B0603020202020204" pitchFamily="34" charset="0"/>
+              </a:rPr>
+              <a:t>MAPE: 0.5116</a:t>
+            </a:r>
+          </a:p>
+          <a:p>
+            <a:r>
+              <a:rPr lang="pt-BR" altLang="zh-CN" sz="2000" dirty="0">
+                <a:latin typeface="Alte DIN 1451 Mittelschrift gep" panose="020B0603020202020204" pitchFamily="34" charset="0"/>
+              </a:rPr>
+              <a:t>R²: 0.3419</a:t>
+            </a:r>
+          </a:p>
+          <a:p>
+            <a:r>
+              <a:rPr lang="pt-BR" altLang="zh-CN" sz="2000" dirty="0">
+                <a:latin typeface="Alte DIN 1451 Mittelschrift gep" panose="020B0603020202020204" pitchFamily="34" charset="0"/>
+              </a:rPr>
+              <a:t>RMSE: 278.9316</a:t>
+            </a:r>
+            <a:endParaRPr lang="zh-CN" altLang="en-US" sz="2000" dirty="0">
+              <a:latin typeface="Alte DIN 1451 Mittelschrift gep" panose="020B0603020202020204" pitchFamily="34" charset="0"/>
+            </a:endParaRPr>
+          </a:p>
+        </p:txBody>
+      </p:sp>
+      <p:sp>
+        <p:nvSpPr>
+          <p:cNvPr id="3" name="标题 1"/>
+          <p:cNvSpPr>
+            <a:spLocks noGrp="1"/>
+          </p:cNvSpPr>
+          <p:nvPr/>
+        </p:nvSpPr>
+        <p:spPr>
+          <a:xfrm>
+            <a:off x="3374390" y="142875"/>
+            <a:ext cx="3401060" cy="408940"/>
+          </a:xfrm>
+        </p:spPr>
+        <p:txBody>
+          <a:bodyPr>
+            <a:normAutofit fontScale="87500" lnSpcReduction="10000"/>
+          </a:bodyPr>
+          <a:lstStyle>
+            <a:lvl1pPr algn="l" defTabSz="914400" rtl="0" eaLnBrk="1" latinLnBrk="0" hangingPunct="1">
+              <a:lnSpc>
+                <a:spcPct val="90000"/>
+              </a:lnSpc>
+              <a:spcBef>
+                <a:spcPct val="0"/>
+              </a:spcBef>
+              <a:buNone/>
+              <a:defRPr sz="2800" b="1" kern="1200">
+                <a:solidFill>
+                  <a:srgbClr val="0070C0"/>
+                </a:solidFill>
+                <a:latin typeface="+mj-lt"/>
+                <a:ea typeface="+mj-ea"/>
+                <a:cs typeface="+mj-cs"/>
+              </a:defRPr>
+            </a:lvl1pPr>
+          </a:lstStyle>
+          <a:p>
+            <a:r>
+              <a:rPr lang="en-US" altLang="zh-CN" sz="2800" b="1">
+                <a:solidFill>
+                  <a:srgbClr val="FF0000"/>
+                </a:solidFill>
+                <a:latin typeface="+mn-ea"/>
+              </a:rPr>
+              <a:t>FFT</a:t>
+            </a:r>
+            <a:r>
+              <a:rPr lang="zh-CN" altLang="en-US" sz="2800" b="1">
+                <a:solidFill>
+                  <a:srgbClr val="FF0000"/>
+                </a:solidFill>
+                <a:latin typeface="+mn-ea"/>
+              </a:rPr>
+              <a:t>表现依然很差</a:t>
+            </a:r>
+            <a:endParaRPr lang="zh-CN" altLang="en-US" sz="2800">
+              <a:solidFill>
+                <a:srgbClr val="FF0000"/>
+              </a:solidFill>
+            </a:endParaRPr>
+          </a:p>
+        </p:txBody>
+      </p:sp>
+      <p:sp>
+        <p:nvSpPr>
+          <p:cNvPr id="4" name="文本框 3"/>
+          <p:cNvSpPr txBox="1"/>
+          <p:nvPr/>
+        </p:nvSpPr>
+        <p:spPr>
+          <a:xfrm>
+            <a:off x="433705" y="3602990"/>
+            <a:ext cx="10783570" cy="2898775"/>
+          </a:xfrm>
+          <a:prstGeom prst="rect">
+            <a:avLst/>
+          </a:prstGeom>
+          <a:noFill/>
+        </p:spPr>
+        <p:txBody>
+          <a:bodyPr wrap="square">
+            <a:noAutofit/>
+          </a:bodyPr>
+          <a:lstStyle/>
+          <a:p>
+            <a:r>
+              <a:rPr lang="en-US" altLang="zh-CN" sz="1200">
+                <a:latin typeface="Consolas" panose="020B0609020204030204" pitchFamily="49" charset="0"/>
+                <a:ea typeface="+mj-ea"/>
+                <a:cs typeface="+mj-cs"/>
+              </a:rPr>
+              <a:t>Predicting runtime for FFT on Cortex-R5F</a:t>
+            </a:r>
+          </a:p>
+          <a:p>
+            <a:r>
+              <a:rPr lang="en-US" altLang="zh-CN" sz="1200">
+                <a:latin typeface="Consolas" panose="020B0609020204030204" pitchFamily="49" charset="0"/>
+                <a:ea typeface="+mj-ea"/>
+                <a:cs typeface="+mj-cs"/>
+              </a:rPr>
+              <a:t>Test size: 0.3, Lower bound: -1.0</a:t>
+            </a:r>
+          </a:p>
+          <a:p>
+            <a:r>
+              <a:rPr lang="en-US" altLang="zh-CN" sz="1200">
+                <a:latin typeface="Consolas" panose="020B0609020204030204" pitchFamily="49" charset="0"/>
+                <a:ea typeface="+mj-ea"/>
+                <a:cs typeface="+mj-cs"/>
+              </a:rPr>
+              <a:t>Method: random_forest</a:t>
+            </a:r>
+          </a:p>
+          <a:p>
+            <a:r>
+              <a:rPr lang="en-US" altLang="zh-CN" sz="1200">
+                <a:latin typeface="Consolas" panose="020B0609020204030204" pitchFamily="49" charset="0"/>
+                <a:ea typeface="+mj-ea"/>
+                <a:cs typeface="+mj-cs"/>
+              </a:rPr>
+              <a:t>Seed 1: MAPE=0.3518 (</a:t>
+            </a:r>
+            <a:r>
+              <a:rPr lang="zh-CN" altLang="en-US" sz="1200">
+                <a:latin typeface="Consolas" panose="020B0609020204030204" pitchFamily="49" charset="0"/>
+                <a:ea typeface="+mj-ea"/>
+                <a:cs typeface="+mj-cs"/>
+              </a:rPr>
+              <a:t>差</a:t>
+            </a:r>
+            <a:r>
+              <a:rPr lang="en-US" altLang="zh-CN" sz="1200">
+                <a:latin typeface="Consolas" panose="020B0609020204030204" pitchFamily="49" charset="0"/>
+                <a:ea typeface="+mj-ea"/>
+                <a:cs typeface="+mj-cs"/>
+              </a:rPr>
+              <a:t>), R2=0.0194, RMSE=234.8103 (s), RMSE%_mean=216.62% (</a:t>
+            </a:r>
+            <a:r>
+              <a:rPr lang="zh-CN" altLang="en-US" sz="1200">
+                <a:latin typeface="Consolas" panose="020B0609020204030204" pitchFamily="49" charset="0"/>
+                <a:ea typeface="+mj-ea"/>
+                <a:cs typeface="+mj-cs"/>
+              </a:rPr>
+              <a:t>差</a:t>
+            </a:r>
+            <a:r>
+              <a:rPr lang="en-US" altLang="zh-CN" sz="1200">
+                <a:latin typeface="Consolas" panose="020B0609020204030204" pitchFamily="49" charset="0"/>
+                <a:ea typeface="+mj-ea"/>
+                <a:cs typeface="+mj-cs"/>
+              </a:rPr>
+              <a:t>), RMSE%_range=27.32% (</a:t>
+            </a:r>
+            <a:r>
+              <a:rPr lang="zh-CN" altLang="en-US" sz="1200">
+                <a:latin typeface="Consolas" panose="020B0609020204030204" pitchFamily="49" charset="0"/>
+                <a:ea typeface="+mj-ea"/>
+                <a:cs typeface="+mj-cs"/>
+              </a:rPr>
+              <a:t>差</a:t>
+            </a:r>
+            <a:r>
+              <a:rPr lang="en-US" altLang="zh-CN" sz="1200">
+                <a:latin typeface="Consolas" panose="020B0609020204030204" pitchFamily="49" charset="0"/>
+                <a:ea typeface="+mj-ea"/>
+                <a:cs typeface="+mj-cs"/>
+              </a:rPr>
+              <a:t>), N=14</a:t>
+            </a:r>
+          </a:p>
+          <a:p>
+            <a:r>
+              <a:rPr lang="en-US" altLang="zh-CN" sz="1200">
+                <a:latin typeface="Consolas" panose="020B0609020204030204" pitchFamily="49" charset="0"/>
+                <a:ea typeface="+mj-ea"/>
+                <a:cs typeface="+mj-cs"/>
+              </a:rPr>
+              <a:t>Seed 2: MAPE=0.4503 (</a:t>
+            </a:r>
+            <a:r>
+              <a:rPr lang="zh-CN" altLang="en-US" sz="1200">
+                <a:latin typeface="Consolas" panose="020B0609020204030204" pitchFamily="49" charset="0"/>
+                <a:ea typeface="+mj-ea"/>
+                <a:cs typeface="+mj-cs"/>
+              </a:rPr>
+              <a:t>差</a:t>
+            </a:r>
+            <a:r>
+              <a:rPr lang="en-US" altLang="zh-CN" sz="1200">
+                <a:latin typeface="Consolas" panose="020B0609020204030204" pitchFamily="49" charset="0"/>
+                <a:ea typeface="+mj-ea"/>
+                <a:cs typeface="+mj-cs"/>
+              </a:rPr>
+              <a:t>), R2=0.5912, RMSE=141.3403 (s), RMSE%_mean=225.68% (</a:t>
+            </a:r>
+            <a:r>
+              <a:rPr lang="zh-CN" altLang="en-US" sz="1200">
+                <a:latin typeface="Consolas" panose="020B0609020204030204" pitchFamily="49" charset="0"/>
+                <a:ea typeface="+mj-ea"/>
+                <a:cs typeface="+mj-cs"/>
+              </a:rPr>
+              <a:t>差</a:t>
+            </a:r>
+            <a:r>
+              <a:rPr lang="en-US" altLang="zh-CN" sz="1200">
+                <a:latin typeface="Consolas" panose="020B0609020204030204" pitchFamily="49" charset="0"/>
+                <a:ea typeface="+mj-ea"/>
+                <a:cs typeface="+mj-cs"/>
+              </a:rPr>
+              <a:t>), RMSE%_range=16.44% (</a:t>
+            </a:r>
+            <a:r>
+              <a:rPr lang="zh-CN" altLang="en-US" sz="1200">
+                <a:latin typeface="Consolas" panose="020B0609020204030204" pitchFamily="49" charset="0"/>
+                <a:ea typeface="+mj-ea"/>
+                <a:cs typeface="+mj-cs"/>
+              </a:rPr>
+              <a:t>中等</a:t>
+            </a:r>
+            <a:r>
+              <a:rPr lang="en-US" altLang="zh-CN" sz="1200">
+                <a:latin typeface="Consolas" panose="020B0609020204030204" pitchFamily="49" charset="0"/>
+                <a:ea typeface="+mj-ea"/>
+                <a:cs typeface="+mj-cs"/>
+              </a:rPr>
+              <a:t>), N=14</a:t>
+            </a:r>
+          </a:p>
+          <a:p>
+            <a:r>
+              <a:rPr lang="en-US" altLang="zh-CN" sz="1200">
+                <a:latin typeface="Consolas" panose="020B0609020204030204" pitchFamily="49" charset="0"/>
+                <a:ea typeface="+mj-ea"/>
+                <a:cs typeface="+mj-cs"/>
+              </a:rPr>
+              <a:t>Seed 6: MAPE=0.2569 (</a:t>
+            </a:r>
+            <a:r>
+              <a:rPr lang="zh-CN" altLang="en-US" sz="1200">
+                <a:latin typeface="Consolas" panose="020B0609020204030204" pitchFamily="49" charset="0"/>
+                <a:ea typeface="+mj-ea"/>
+                <a:cs typeface="+mj-cs"/>
+              </a:rPr>
+              <a:t>差</a:t>
+            </a:r>
+            <a:r>
+              <a:rPr lang="en-US" altLang="zh-CN" sz="1200">
+                <a:latin typeface="Consolas" panose="020B0609020204030204" pitchFamily="49" charset="0"/>
+                <a:ea typeface="+mj-ea"/>
+                <a:cs typeface="+mj-cs"/>
+              </a:rPr>
+              <a:t>), R2=0.5849, RMSE=142.2317 (s), RMSE%_mean=219.72% (</a:t>
+            </a:r>
+            <a:r>
+              <a:rPr lang="zh-CN" altLang="en-US" sz="1200">
+                <a:latin typeface="Consolas" panose="020B0609020204030204" pitchFamily="49" charset="0"/>
+                <a:ea typeface="+mj-ea"/>
+                <a:cs typeface="+mj-cs"/>
+              </a:rPr>
+              <a:t>差</a:t>
+            </a:r>
+            <a:r>
+              <a:rPr lang="en-US" altLang="zh-CN" sz="1200">
+                <a:latin typeface="Consolas" panose="020B0609020204030204" pitchFamily="49" charset="0"/>
+                <a:ea typeface="+mj-ea"/>
+                <a:cs typeface="+mj-cs"/>
+              </a:rPr>
+              <a:t>), RMSE%_range=16.55% (</a:t>
+            </a:r>
+            <a:r>
+              <a:rPr lang="zh-CN" altLang="en-US" sz="1200">
+                <a:latin typeface="Consolas" panose="020B0609020204030204" pitchFamily="49" charset="0"/>
+                <a:ea typeface="+mj-ea"/>
+                <a:cs typeface="+mj-cs"/>
+              </a:rPr>
+              <a:t>中等</a:t>
+            </a:r>
+            <a:r>
+              <a:rPr lang="en-US" altLang="zh-CN" sz="1200">
+                <a:latin typeface="Consolas" panose="020B0609020204030204" pitchFamily="49" charset="0"/>
+                <a:ea typeface="+mj-ea"/>
+                <a:cs typeface="+mj-cs"/>
+              </a:rPr>
+              <a:t>), N=14</a:t>
+            </a:r>
+          </a:p>
+          <a:p>
+            <a:r>
+              <a:rPr lang="en-US" altLang="zh-CN" sz="1200">
+                <a:latin typeface="Consolas" panose="020B0609020204030204" pitchFamily="49" charset="0"/>
+                <a:ea typeface="+mj-ea"/>
+                <a:cs typeface="+mj-cs"/>
+              </a:rPr>
+              <a:t>Seed 42: MAPE=0.2629 (</a:t>
+            </a:r>
+            <a:r>
+              <a:rPr lang="zh-CN" altLang="en-US" sz="1200">
+                <a:latin typeface="Consolas" panose="020B0609020204030204" pitchFamily="49" charset="0"/>
+                <a:ea typeface="+mj-ea"/>
+                <a:cs typeface="+mj-cs"/>
+              </a:rPr>
+              <a:t>差</a:t>
+            </a:r>
+            <a:r>
+              <a:rPr lang="en-US" altLang="zh-CN" sz="1200">
+                <a:latin typeface="Consolas" panose="020B0609020204030204" pitchFamily="49" charset="0"/>
+                <a:ea typeface="+mj-ea"/>
+                <a:cs typeface="+mj-cs"/>
+              </a:rPr>
+              <a:t>), R2=0.5649, RMSE=7.7358 (s), RMSE%_mean=236.38% (</a:t>
+            </a:r>
+            <a:r>
+              <a:rPr lang="zh-CN" altLang="en-US" sz="1200">
+                <a:latin typeface="Consolas" panose="020B0609020204030204" pitchFamily="49" charset="0"/>
+                <a:ea typeface="+mj-ea"/>
+                <a:cs typeface="+mj-cs"/>
+              </a:rPr>
+              <a:t>差</a:t>
+            </a:r>
+            <a:r>
+              <a:rPr lang="en-US" altLang="zh-CN" sz="1200">
+                <a:latin typeface="Consolas" panose="020B0609020204030204" pitchFamily="49" charset="0"/>
+                <a:ea typeface="+mj-ea"/>
+                <a:cs typeface="+mj-cs"/>
+              </a:rPr>
+              <a:t>), RMSE%_range=16.98% (</a:t>
+            </a:r>
+            <a:r>
+              <a:rPr lang="zh-CN" altLang="en-US" sz="1200">
+                <a:latin typeface="Consolas" panose="020B0609020204030204" pitchFamily="49" charset="0"/>
+                <a:ea typeface="+mj-ea"/>
+                <a:cs typeface="+mj-cs"/>
+              </a:rPr>
+              <a:t>中等</a:t>
+            </a:r>
+            <a:r>
+              <a:rPr lang="en-US" altLang="zh-CN" sz="1200">
+                <a:latin typeface="Consolas" panose="020B0609020204030204" pitchFamily="49" charset="0"/>
+                <a:ea typeface="+mj-ea"/>
+                <a:cs typeface="+mj-cs"/>
+              </a:rPr>
+              <a:t>), N=14</a:t>
+            </a:r>
+          </a:p>
+          <a:p>
+            <a:r>
+              <a:rPr lang="en-US" altLang="zh-CN" sz="1200">
+                <a:latin typeface="Consolas" panose="020B0609020204030204" pitchFamily="49" charset="0"/>
+                <a:ea typeface="+mj-ea"/>
+                <a:cs typeface="+mj-cs"/>
+              </a:rPr>
+              <a:t>Seed 123: MAPE=0.3722 (</a:t>
+            </a:r>
+            <a:r>
+              <a:rPr lang="zh-CN" altLang="en-US" sz="1200">
+                <a:latin typeface="Consolas" panose="020B0609020204030204" pitchFamily="49" charset="0"/>
+                <a:ea typeface="+mj-ea"/>
+                <a:cs typeface="+mj-cs"/>
+              </a:rPr>
+              <a:t>差</a:t>
+            </a:r>
+            <a:r>
+              <a:rPr lang="en-US" altLang="zh-CN" sz="1200">
+                <a:latin typeface="Consolas" panose="020B0609020204030204" pitchFamily="49" charset="0"/>
+                <a:ea typeface="+mj-ea"/>
+                <a:cs typeface="+mj-cs"/>
+              </a:rPr>
+              <a:t>), R2=0.5932, RMSE=3.5653 (s), RMSE%_mean=219.74% (</a:t>
+            </a:r>
+            <a:r>
+              <a:rPr lang="zh-CN" altLang="en-US" sz="1200">
+                <a:latin typeface="Consolas" panose="020B0609020204030204" pitchFamily="49" charset="0"/>
+                <a:ea typeface="+mj-ea"/>
+                <a:cs typeface="+mj-cs"/>
+              </a:rPr>
+              <a:t>差</a:t>
+            </a:r>
+            <a:r>
+              <a:rPr lang="en-US" altLang="zh-CN" sz="1200">
+                <a:latin typeface="Consolas" panose="020B0609020204030204" pitchFamily="49" charset="0"/>
+                <a:ea typeface="+mj-ea"/>
+                <a:cs typeface="+mj-cs"/>
+              </a:rPr>
+              <a:t>), RMSE%_range=16.38% (</a:t>
+            </a:r>
+            <a:r>
+              <a:rPr lang="zh-CN" altLang="en-US" sz="1200">
+                <a:latin typeface="Consolas" panose="020B0609020204030204" pitchFamily="49" charset="0"/>
+                <a:ea typeface="+mj-ea"/>
+                <a:cs typeface="+mj-cs"/>
+              </a:rPr>
+              <a:t>中等</a:t>
+            </a:r>
+            <a:r>
+              <a:rPr lang="en-US" altLang="zh-CN" sz="1200">
+                <a:latin typeface="Consolas" panose="020B0609020204030204" pitchFamily="49" charset="0"/>
+                <a:ea typeface="+mj-ea"/>
+                <a:cs typeface="+mj-cs"/>
+              </a:rPr>
+              <a:t>), N=14</a:t>
+            </a:r>
+          </a:p>
+          <a:p>
+            <a:r>
+              <a:rPr lang="en-US" altLang="zh-CN" sz="1200">
+                <a:latin typeface="Consolas" panose="020B0609020204030204" pitchFamily="49" charset="0"/>
+                <a:ea typeface="+mj-ea"/>
+                <a:cs typeface="+mj-cs"/>
+              </a:rPr>
+              <a:t>Seed 2025: MAPE=0.2233 (</a:t>
+            </a:r>
+            <a:r>
+              <a:rPr lang="zh-CN" altLang="en-US" sz="1200">
+                <a:latin typeface="Consolas" panose="020B0609020204030204" pitchFamily="49" charset="0"/>
+                <a:ea typeface="+mj-ea"/>
+                <a:cs typeface="+mj-cs"/>
+              </a:rPr>
+              <a:t>差</a:t>
+            </a:r>
+            <a:r>
+              <a:rPr lang="en-US" altLang="zh-CN" sz="1200">
+                <a:latin typeface="Consolas" panose="020B0609020204030204" pitchFamily="49" charset="0"/>
+                <a:ea typeface="+mj-ea"/>
+                <a:cs typeface="+mj-cs"/>
+              </a:rPr>
+              <a:t>), R2=0.5940, RMSE=0.3835 (s), RMSE%_mean=227.97% (</a:t>
+            </a:r>
+            <a:r>
+              <a:rPr lang="zh-CN" altLang="en-US" sz="1200">
+                <a:latin typeface="Consolas" panose="020B0609020204030204" pitchFamily="49" charset="0"/>
+                <a:ea typeface="+mj-ea"/>
+                <a:cs typeface="+mj-cs"/>
+              </a:rPr>
+              <a:t>差</a:t>
+            </a:r>
+            <a:r>
+              <a:rPr lang="en-US" altLang="zh-CN" sz="1200">
+                <a:latin typeface="Consolas" panose="020B0609020204030204" pitchFamily="49" charset="0"/>
+                <a:ea typeface="+mj-ea"/>
+                <a:cs typeface="+mj-cs"/>
+              </a:rPr>
+              <a:t>), RMSE%_range=16.40% (</a:t>
+            </a:r>
+            <a:r>
+              <a:rPr lang="zh-CN" altLang="en-US" sz="1200">
+                <a:latin typeface="Consolas" panose="020B0609020204030204" pitchFamily="49" charset="0"/>
+                <a:ea typeface="+mj-ea"/>
+                <a:cs typeface="+mj-cs"/>
+              </a:rPr>
+              <a:t>中等</a:t>
+            </a:r>
+            <a:r>
+              <a:rPr lang="en-US" altLang="zh-CN" sz="1200">
+                <a:latin typeface="Consolas" panose="020B0609020204030204" pitchFamily="49" charset="0"/>
+                <a:ea typeface="+mj-ea"/>
+                <a:cs typeface="+mj-cs"/>
+              </a:rPr>
+              <a:t>), N=14</a:t>
+            </a:r>
+          </a:p>
+          <a:p>
+            <a:r>
+              <a:rPr lang="en-US" altLang="zh-CN" sz="1200">
+                <a:latin typeface="Consolas" panose="020B0609020204030204" pitchFamily="49" charset="0"/>
+                <a:ea typeface="+mj-ea"/>
+                <a:cs typeface="+mj-cs"/>
+              </a:rPr>
+              <a:t>Seed 33550336: MAPE=0.3418 (</a:t>
+            </a:r>
+            <a:r>
+              <a:rPr lang="zh-CN" altLang="en-US" sz="1200">
+                <a:latin typeface="Consolas" panose="020B0609020204030204" pitchFamily="49" charset="0"/>
+                <a:ea typeface="+mj-ea"/>
+                <a:cs typeface="+mj-cs"/>
+              </a:rPr>
+              <a:t>差</a:t>
+            </a:r>
+            <a:r>
+              <a:rPr lang="en-US" altLang="zh-CN" sz="1200">
+                <a:latin typeface="Consolas" panose="020B0609020204030204" pitchFamily="49" charset="0"/>
+                <a:ea typeface="+mj-ea"/>
+                <a:cs typeface="+mj-cs"/>
+              </a:rPr>
+              <a:t>), R2=0.5648, RMSE=145.7026 (s), RMSE%_mean=213.62% (</a:t>
+            </a:r>
+            <a:r>
+              <a:rPr lang="zh-CN" altLang="en-US" sz="1200">
+                <a:latin typeface="Consolas" panose="020B0609020204030204" pitchFamily="49" charset="0"/>
+                <a:ea typeface="+mj-ea"/>
+                <a:cs typeface="+mj-cs"/>
+              </a:rPr>
+              <a:t>差</a:t>
+            </a:r>
+            <a:r>
+              <a:rPr lang="en-US" altLang="zh-CN" sz="1200">
+                <a:latin typeface="Consolas" panose="020B0609020204030204" pitchFamily="49" charset="0"/>
+                <a:ea typeface="+mj-ea"/>
+                <a:cs typeface="+mj-cs"/>
+              </a:rPr>
+              <a:t>), RMSE%_range=16.95% (</a:t>
+            </a:r>
+            <a:r>
+              <a:rPr lang="zh-CN" altLang="en-US" sz="1200">
+                <a:latin typeface="Consolas" panose="020B0609020204030204" pitchFamily="49" charset="0"/>
+                <a:ea typeface="+mj-ea"/>
+                <a:cs typeface="+mj-cs"/>
+              </a:rPr>
+              <a:t>中等</a:t>
+            </a:r>
+            <a:r>
+              <a:rPr lang="en-US" altLang="zh-CN" sz="1200">
+                <a:latin typeface="Consolas" panose="020B0609020204030204" pitchFamily="49" charset="0"/>
+                <a:ea typeface="+mj-ea"/>
+                <a:cs typeface="+mj-cs"/>
+              </a:rPr>
+              <a:t>), N=14</a:t>
+            </a:r>
+          </a:p>
+          <a:p>
+            <a:endParaRPr lang="en-US" altLang="zh-CN" sz="1200">
+              <a:latin typeface="Consolas" panose="020B0609020204030204" pitchFamily="49" charset="0"/>
+              <a:ea typeface="+mj-ea"/>
+              <a:cs typeface="+mj-cs"/>
+            </a:endParaRPr>
+          </a:p>
+          <a:p>
+            <a:r>
+              <a:rPr lang="en-US" altLang="zh-CN" sz="1200">
+                <a:latin typeface="Consolas" panose="020B0609020204030204" pitchFamily="49" charset="0"/>
+                <a:ea typeface="+mj-ea"/>
+                <a:cs typeface="+mj-cs"/>
+              </a:rPr>
+              <a:t>MAPE: 0.3227 ± 0.0793 (</a:t>
+            </a:r>
+            <a:r>
+              <a:rPr lang="zh-CN" altLang="en-US" sz="1200">
+                <a:latin typeface="Consolas" panose="020B0609020204030204" pitchFamily="49" charset="0"/>
+                <a:ea typeface="+mj-ea"/>
+                <a:cs typeface="+mj-cs"/>
+              </a:rPr>
+              <a:t>差</a:t>
+            </a:r>
+            <a:r>
+              <a:rPr lang="en-US" altLang="zh-CN" sz="1200">
+                <a:latin typeface="Consolas" panose="020B0609020204030204" pitchFamily="49" charset="0"/>
+                <a:ea typeface="+mj-ea"/>
+                <a:cs typeface="+mj-cs"/>
+              </a:rPr>
+              <a:t>)</a:t>
+            </a:r>
+          </a:p>
+          <a:p>
+            <a:r>
+              <a:rPr lang="en-US" altLang="zh-CN" sz="1200">
+                <a:latin typeface="Consolas" panose="020B0609020204030204" pitchFamily="49" charset="0"/>
+                <a:ea typeface="+mj-ea"/>
+                <a:cs typeface="+mj-cs"/>
+              </a:rPr>
+              <a:t>R2:   0.5018 ± 0.2131</a:t>
+            </a:r>
+          </a:p>
+          <a:p>
+            <a:r>
+              <a:rPr lang="en-US" altLang="zh-CN" sz="1200">
+                <a:latin typeface="Consolas" panose="020B0609020204030204" pitchFamily="49" charset="0"/>
+                <a:ea typeface="+mj-ea"/>
+                <a:cs typeface="+mj-cs"/>
+              </a:rPr>
+              <a:t>RMSE: 96.5385 ± 92.5626 (s)</a:t>
+            </a:r>
+          </a:p>
+          <a:p>
+            <a:r>
+              <a:rPr lang="en-US" altLang="zh-CN" sz="1200">
+                <a:latin typeface="Consolas" panose="020B0609020204030204" pitchFamily="49" charset="0"/>
+                <a:ea typeface="+mj-ea"/>
+                <a:cs typeface="+mj-cs"/>
+              </a:rPr>
+              <a:t>RMSE%_mean: 222.82% ± 7.75% (</a:t>
+            </a:r>
+            <a:r>
+              <a:rPr lang="zh-CN" altLang="en-US" sz="1200">
+                <a:latin typeface="Consolas" panose="020B0609020204030204" pitchFamily="49" charset="0"/>
+                <a:ea typeface="+mj-ea"/>
+                <a:cs typeface="+mj-cs"/>
+              </a:rPr>
+              <a:t>差</a:t>
+            </a:r>
+            <a:r>
+              <a:rPr lang="en-US" altLang="zh-CN" sz="1200">
+                <a:latin typeface="Consolas" panose="020B0609020204030204" pitchFamily="49" charset="0"/>
+                <a:ea typeface="+mj-ea"/>
+                <a:cs typeface="+mj-cs"/>
+              </a:rPr>
+              <a:t>)</a:t>
+            </a:r>
+          </a:p>
+          <a:p>
+            <a:r>
+              <a:rPr lang="en-US" altLang="zh-CN" sz="1200">
+                <a:latin typeface="Consolas" panose="020B0609020204030204" pitchFamily="49" charset="0"/>
+                <a:ea typeface="+mj-ea"/>
+                <a:cs typeface="+mj-cs"/>
+              </a:rPr>
+              <a:t>RMSE%_range: 18.14% ± 4.05% (</a:t>
+            </a:r>
+            <a:r>
+              <a:rPr lang="zh-CN" altLang="en-US" sz="1200">
+                <a:latin typeface="Consolas" panose="020B0609020204030204" pitchFamily="49" charset="0"/>
+                <a:ea typeface="+mj-ea"/>
+                <a:cs typeface="+mj-cs"/>
+              </a:rPr>
+              <a:t>中等</a:t>
+            </a:r>
+            <a:r>
+              <a:rPr lang="en-US" altLang="zh-CN" sz="1200">
+                <a:latin typeface="Consolas" panose="020B0609020204030204" pitchFamily="49" charset="0"/>
+                <a:ea typeface="+mj-ea"/>
+                <a:cs typeface="+mj-cs"/>
+              </a:rPr>
+              <a:t>)</a:t>
+            </a:r>
+            <a:endParaRPr lang="zh-CN" altLang="en-US" sz="1200">
+              <a:latin typeface="Consolas" panose="020B0609020204030204" pitchFamily="49" charset="0"/>
+              <a:ea typeface="+mj-ea"/>
+              <a:cs typeface="+mj-cs"/>
+            </a:endParaRPr>
+          </a:p>
+        </p:txBody>
+      </p:sp>
+      <p:sp>
+        <p:nvSpPr>
+          <p:cNvPr id="11" name="文本框 10"/>
+          <p:cNvSpPr txBox="1"/>
+          <p:nvPr/>
+        </p:nvSpPr>
+        <p:spPr>
+          <a:xfrm>
+            <a:off x="9434830" y="3009265"/>
+            <a:ext cx="2333625" cy="229870"/>
+          </a:xfrm>
+          <a:prstGeom prst="rect">
+            <a:avLst/>
+          </a:prstGeom>
+          <a:solidFill>
+            <a:schemeClr val="accent5">
+              <a:lumMod val="40000"/>
+              <a:lumOff val="60000"/>
+            </a:schemeClr>
+          </a:solidFill>
+        </p:spPr>
+        <p:txBody>
+          <a:bodyPr wrap="square" rtlCol="0" anchor="t">
+            <a:spAutoFit/>
+          </a:bodyPr>
+          <a:lstStyle/>
+          <a:p>
+            <a:r>
+              <a:rPr lang="zh-CN" altLang="en-US" sz="900" dirty="0">
+                <a:sym typeface="+mn-ea"/>
+              </a:rPr>
+              <a:t>引入</a:t>
+            </a:r>
+            <a:r>
+              <a:rPr lang="en-US" altLang="zh-CN" sz="900" dirty="0" err="1">
+                <a:sym typeface="+mn-ea"/>
+              </a:rPr>
+              <a:t>RandomizedSearchCV</a:t>
+            </a:r>
+            <a:r>
+              <a:rPr lang="zh-CN" altLang="en-US" sz="900" dirty="0">
+                <a:sym typeface="+mn-ea"/>
+              </a:rPr>
+              <a:t>自动搜索参数</a:t>
+            </a:r>
+          </a:p>
+        </p:txBody>
+      </p:sp>
+      <p:sp>
+        <p:nvSpPr>
+          <p:cNvPr id="13" name="文本框 12"/>
+          <p:cNvSpPr txBox="1"/>
+          <p:nvPr/>
+        </p:nvSpPr>
+        <p:spPr>
+          <a:xfrm>
+            <a:off x="4141470" y="2779395"/>
+            <a:ext cx="810895" cy="229870"/>
+          </a:xfrm>
+          <a:prstGeom prst="rect">
+            <a:avLst/>
+          </a:prstGeom>
+          <a:solidFill>
+            <a:schemeClr val="accent5">
+              <a:lumMod val="40000"/>
+              <a:lumOff val="60000"/>
+            </a:schemeClr>
+          </a:solidFill>
+        </p:spPr>
+        <p:txBody>
+          <a:bodyPr wrap="square" rtlCol="0" anchor="t">
+            <a:spAutoFit/>
+          </a:bodyPr>
+          <a:lstStyle/>
+          <a:p>
+            <a:r>
+              <a:rPr lang="zh-CN" altLang="en-US" sz="900" dirty="0">
+                <a:sym typeface="+mn-ea"/>
+              </a:rPr>
+              <a:t>手动调参</a:t>
+            </a:r>
+          </a:p>
+        </p:txBody>
+      </p:sp>
+    </p:spTree>
+  </p:cSld>
+  <p:clrMapOvr>
+    <a:masterClrMapping/>
+  </p:clrMapOvr>
+  <p:transition/>
+</p:sld>
+</file>
+
+<file path=ppt/slides/slide11.xml><?xml version="1.0" encoding="utf-8"?>
 <p:sld xmlns:a="http://schemas.openxmlformats.org/drawingml/2006/main" xmlns:r="http://schemas.openxmlformats.org/officeDocument/2006/relationships" xmlns:p="http://schemas.openxmlformats.org/presentationml/2006/main">
   <p:cSld>
     <p:spTree>
@@ -14124,7 +15239,7 @@
 </p:sld>
 </file>
 
-<file path=ppt/slides/slide11.xml><?xml version="1.0" encoding="utf-8"?>
+<file path=ppt/slides/slide12.xml><?xml version="1.0" encoding="utf-8"?>
 <p:sld xmlns:a="http://schemas.openxmlformats.org/drawingml/2006/main" xmlns:r="http://schemas.openxmlformats.org/officeDocument/2006/relationships" xmlns:p="http://schemas.openxmlformats.org/presentationml/2006/main">
   <p:cSld>
     <p:spTree>
@@ -15242,7 +16357,7 @@
 </p:sld>
 </file>
 
-<file path=ppt/slides/slide12.xml><?xml version="1.0" encoding="utf-8"?>
+<file path=ppt/slides/slide13.xml><?xml version="1.0" encoding="utf-8"?>
 <p:sld xmlns:a="http://schemas.openxmlformats.org/drawingml/2006/main" xmlns:r="http://schemas.openxmlformats.org/officeDocument/2006/relationships" xmlns:p="http://schemas.openxmlformats.org/presentationml/2006/main">
   <p:cSld>
     <p:spTree>
@@ -16319,7 +17434,7 @@
 </p:sld>
 </file>
 
-<file path=ppt/slides/slide13.xml><?xml version="1.0" encoding="utf-8"?>
+<file path=ppt/slides/slide14.xml><?xml version="1.0" encoding="utf-8"?>
 <p:sld xmlns:a="http://schemas.openxmlformats.org/drawingml/2006/main" xmlns:r="http://schemas.openxmlformats.org/officeDocument/2006/relationships" xmlns:p="http://schemas.openxmlformats.org/presentationml/2006/main">
   <p:cSld>
     <p:spTree>
@@ -17368,7 +18483,7 @@
 </p:sld>
 </file>
 
-<file path=ppt/slides/slide14.xml><?xml version="1.0" encoding="utf-8"?>
+<file path=ppt/slides/slide15.xml><?xml version="1.0" encoding="utf-8"?>
 <p:sld xmlns:a="http://schemas.openxmlformats.org/drawingml/2006/main" xmlns:r="http://schemas.openxmlformats.org/officeDocument/2006/relationships" xmlns:p="http://schemas.openxmlformats.org/presentationml/2006/main">
   <p:cSld>
     <p:spTree>
@@ -18245,7 +19360,7 @@
         </p:spPr>
         <p:txBody>
           <a:bodyPr>
-            <a:normAutofit fontScale="75000" lnSpcReduction="20000"/>
+            <a:normAutofit fontScale="82500" lnSpcReduction="20000"/>
           </a:bodyPr>
           <a:lstStyle>
             <a:lvl1pPr algn="l" defTabSz="914400" rtl="0" eaLnBrk="1" latinLnBrk="0" hangingPunct="1">
@@ -18501,7 +19616,7 @@
 </p:sld>
 </file>
 
-<file path=ppt/slides/slide15.xml><?xml version="1.0" encoding="utf-8"?>
+<file path=ppt/slides/slide16.xml><?xml version="1.0" encoding="utf-8"?>
 <p:sld xmlns:a="http://schemas.openxmlformats.org/drawingml/2006/main" xmlns:r="http://schemas.openxmlformats.org/officeDocument/2006/relationships" xmlns:p="http://schemas.openxmlformats.org/presentationml/2006/main">
   <p:cSld>
     <p:spTree>
@@ -19326,7 +20441,7 @@
         </p:spPr>
         <p:txBody>
           <a:bodyPr>
-            <a:normAutofit fontScale="75000" lnSpcReduction="20000"/>
+            <a:normAutofit fontScale="82500" lnSpcReduction="20000"/>
           </a:bodyPr>
           <a:lstStyle>
             <a:lvl1pPr algn="l" defTabSz="914400" rtl="0" eaLnBrk="1" latinLnBrk="0" hangingPunct="1">
@@ -19489,7 +20604,7 @@
 </p:sld>
 </file>
 
-<file path=ppt/slides/slide16.xml><?xml version="1.0" encoding="utf-8"?>
+<file path=ppt/slides/slide17.xml><?xml version="1.0" encoding="utf-8"?>
 <p:sld xmlns:a="http://schemas.openxmlformats.org/drawingml/2006/main" xmlns:r="http://schemas.openxmlformats.org/officeDocument/2006/relationships" xmlns:p="http://schemas.openxmlformats.org/presentationml/2006/main">
   <p:cSld>
     <p:spTree>
@@ -20219,7 +21334,7 @@
         </p:spPr>
         <p:txBody>
           <a:bodyPr>
-            <a:normAutofit fontScale="75000" lnSpcReduction="20000"/>
+            <a:normAutofit fontScale="67500" lnSpcReduction="20000"/>
           </a:bodyPr>
           <a:lstStyle>
             <a:lvl1pPr algn="l" defTabSz="914400" rtl="0" eaLnBrk="1" latinLnBrk="0" hangingPunct="1">
@@ -20487,7 +21602,7 @@
 </p:sld>
 </file>
 
-<file path=ppt/slides/slide17.xml><?xml version="1.0" encoding="utf-8"?>
+<file path=ppt/slides/slide18.xml><?xml version="1.0" encoding="utf-8"?>
 <p:sld xmlns:a="http://schemas.openxmlformats.org/drawingml/2006/main" xmlns:r="http://schemas.openxmlformats.org/officeDocument/2006/relationships" xmlns:p="http://schemas.openxmlformats.org/presentationml/2006/main">
   <p:cSld>
     <p:spTree>
@@ -20990,7 +22105,7 @@
 </p:sld>
 </file>
 
-<file path=ppt/slides/slide18.xml><?xml version="1.0" encoding="utf-8"?>
+<file path=ppt/slides/slide19.xml><?xml version="1.0" encoding="utf-8"?>
 <p:sld xmlns:a="http://schemas.openxmlformats.org/drawingml/2006/main" xmlns:r="http://schemas.openxmlformats.org/officeDocument/2006/relationships" xmlns:p="http://schemas.openxmlformats.org/presentationml/2006/main">
   <p:cSld>
     <p:spTree>
@@ -21918,320 +23033,6 @@
               <a:t>MPC on M7</a:t>
             </a:r>
             <a:endParaRPr lang="zh-CN" altLang="en-US" sz="2800" dirty="0"/>
-          </a:p>
-        </p:txBody>
-      </p:sp>
-    </p:spTree>
-  </p:cSld>
-  <p:clrMapOvr>
-    <a:masterClrMapping/>
-  </p:clrMapOvr>
-  <p:transition/>
-</p:sld>
-</file>
-
-<file path=ppt/slides/slide19.xml><?xml version="1.0" encoding="utf-8"?>
-<p:sld xmlns:a="http://schemas.openxmlformats.org/drawingml/2006/main" xmlns:r="http://schemas.openxmlformats.org/officeDocument/2006/relationships" xmlns:p="http://schemas.openxmlformats.org/presentationml/2006/main">
-  <p:cSld>
-    <p:spTree>
-      <p:nvGrpSpPr>
-        <p:cNvPr id="1" name=""/>
-        <p:cNvGrpSpPr/>
-        <p:nvPr/>
-      </p:nvGrpSpPr>
-      <p:grpSpPr>
-        <a:xfrm>
-          <a:off x="0" y="0"/>
-          <a:ext cx="0" cy="0"/>
-          <a:chOff x="0" y="0"/>
-          <a:chExt cx="0" cy="0"/>
-        </a:xfrm>
-      </p:grpSpPr>
-      <p:sp>
-        <p:nvSpPr>
-          <p:cNvPr id="4" name="文本框 3"/>
-          <p:cNvSpPr txBox="1"/>
-          <p:nvPr/>
-        </p:nvSpPr>
-        <p:spPr>
-          <a:xfrm>
-            <a:off x="123825" y="859790"/>
-            <a:ext cx="11630025" cy="5998210"/>
-          </a:xfrm>
-          <a:prstGeom prst="rect">
-            <a:avLst/>
-          </a:prstGeom>
-          <a:noFill/>
-        </p:spPr>
-        <p:txBody>
-          <a:bodyPr wrap="square">
-            <a:noAutofit/>
-          </a:bodyPr>
-          <a:lstStyle/>
-          <a:p>
-            <a:pPr marL="342900" indent="-342900">
-              <a:buFont typeface="Arial" panose="020B0604020202020204" pitchFamily="34" charset="0"/>
-              <a:buChar char="•"/>
-            </a:pPr>
-            <a:r>
-              <a:rPr lang="zh-CN" altLang="en-US" sz="2000" dirty="0"/>
-              <a:t>对于要拟合的</a:t>
-            </a:r>
-            <a:r>
-              <a:rPr lang="en-US" altLang="zh-CN" sz="2000" dirty="0"/>
-              <a:t>n</a:t>
-            </a:r>
-            <a:r>
-              <a:rPr lang="zh-CN" altLang="en-US" sz="2000" dirty="0"/>
-              <a:t>与</a:t>
-            </a:r>
-            <a:r>
-              <a:rPr lang="en-US" altLang="zh-CN" sz="2000" dirty="0"/>
-              <a:t>T</a:t>
-            </a:r>
-            <a:r>
-              <a:rPr lang="zh-CN" altLang="en-US" sz="2000" dirty="0"/>
-              <a:t>，采样更多</a:t>
-            </a:r>
-            <a:r>
-              <a:rPr lang="en-US" altLang="zh-CN" sz="2000" dirty="0"/>
-              <a:t>n</a:t>
-            </a:r>
-            <a:r>
-              <a:rPr lang="zh-CN" altLang="en-US" sz="2000" dirty="0"/>
-              <a:t>能使模型更贴合数据，对同一个</a:t>
-            </a:r>
-            <a:r>
-              <a:rPr lang="en-US" altLang="zh-CN" sz="2000" dirty="0"/>
-              <a:t>n</a:t>
-            </a:r>
-            <a:r>
-              <a:rPr lang="zh-CN" altLang="en-US" sz="2000" dirty="0"/>
-              <a:t>采样更多</a:t>
-            </a:r>
-            <a:r>
-              <a:rPr lang="en-US" altLang="zh-CN" sz="2000" dirty="0"/>
-              <a:t>T</a:t>
-            </a:r>
-            <a:r>
-              <a:rPr lang="zh-CN" altLang="en-US" sz="2000" dirty="0"/>
-              <a:t>有助于降低噪声影响，提高精度。现在要拟合的关系大多数都是知道函数的形式的，因此可以更多地考虑后者。</a:t>
-            </a:r>
-            <a:endParaRPr lang="en-US" altLang="zh-CN" sz="2000" dirty="0"/>
-          </a:p>
-          <a:p>
-            <a:pPr marL="342900" indent="-342900">
-              <a:buFont typeface="Arial" panose="020B0604020202020204" pitchFamily="34" charset="0"/>
-              <a:buChar char="•"/>
-            </a:pPr>
-            <a:endParaRPr lang="en-US" altLang="zh-CN" sz="2000" dirty="0"/>
-          </a:p>
-          <a:p>
-            <a:pPr marL="342900" indent="-342900">
-              <a:buFont typeface="Arial" panose="020B0604020202020204" pitchFamily="34" charset="0"/>
-              <a:buChar char="•"/>
-            </a:pPr>
-            <a:r>
-              <a:rPr lang="zh-CN" altLang="en-US" sz="2000" dirty="0"/>
-              <a:t>当某个随机种子在当前数据上表现很好，能否推到别的数据上？</a:t>
-            </a:r>
-            <a:endParaRPr lang="en-US" altLang="zh-CN" sz="2000" dirty="0"/>
-          </a:p>
-          <a:p>
-            <a:pPr marL="800100" lvl="1" indent="-342900">
-              <a:buFont typeface="Arial" panose="020B0604020202020204" pitchFamily="34" charset="0"/>
-              <a:buChar char="•"/>
-            </a:pPr>
-            <a:r>
-              <a:rPr lang="zh-CN" altLang="en-US" sz="1600" dirty="0"/>
-              <a:t>不能保证，一次好的结果可能是随机性与样本噪声、具体数据划分、超参恰好“契合”。在其他的数据上未必如此。</a:t>
-            </a:r>
-            <a:endParaRPr lang="en-US" altLang="zh-CN" sz="1600" dirty="0"/>
-          </a:p>
-          <a:p>
-            <a:pPr marL="342900" indent="-342900">
-              <a:buFont typeface="Arial" panose="020B0604020202020204" pitchFamily="34" charset="0"/>
-              <a:buChar char="•"/>
-            </a:pPr>
-            <a:endParaRPr lang="en-US" altLang="zh-CN" sz="2000" dirty="0"/>
-          </a:p>
-          <a:p>
-            <a:pPr marL="342900" indent="-342900">
-              <a:buFont typeface="Arial" panose="020B0604020202020204" pitchFamily="34" charset="0"/>
-              <a:buChar char="•"/>
-            </a:pPr>
-            <a:r>
-              <a:rPr lang="zh-CN" altLang="en-US" sz="2000" dirty="0"/>
-              <a:t>随机种与其他参数的区别：</a:t>
-            </a:r>
-            <a:endParaRPr lang="en-US" altLang="zh-CN" sz="2000" dirty="0"/>
-          </a:p>
-          <a:p>
-            <a:pPr marL="800100" lvl="1" indent="-342900">
-              <a:buFont typeface="Arial" panose="020B0604020202020204" pitchFamily="34" charset="0"/>
-              <a:buChar char="•"/>
-            </a:pPr>
-            <a:r>
-              <a:rPr lang="zh-CN" altLang="en-US" sz="1600" dirty="0"/>
-              <a:t>模型参数（超参数）：如</a:t>
-            </a:r>
-            <a:r>
-              <a:rPr lang="en-US" altLang="zh-CN" sz="1600" dirty="0" err="1"/>
-              <a:t>n_estimators</a:t>
-            </a:r>
-            <a:r>
-              <a:rPr lang="en-US" altLang="zh-CN" sz="1600" dirty="0"/>
-              <a:t>, </a:t>
-            </a:r>
-            <a:r>
-              <a:rPr lang="en-US" altLang="zh-CN" sz="1600" dirty="0" err="1"/>
-              <a:t>max_depth</a:t>
-            </a:r>
-            <a:r>
-              <a:rPr lang="en-US" altLang="zh-CN" sz="1600" dirty="0"/>
-              <a:t>, </a:t>
-            </a:r>
-            <a:r>
-              <a:rPr lang="en-US" altLang="zh-CN" sz="1600" dirty="0" err="1"/>
-              <a:t>learning_rate</a:t>
-            </a:r>
-            <a:r>
-              <a:rPr lang="en-US" altLang="zh-CN" sz="1600" dirty="0"/>
-              <a:t>, </a:t>
-            </a:r>
-            <a:r>
-              <a:rPr lang="en-US" altLang="zh-CN" sz="1600" dirty="0" err="1"/>
-              <a:t>hidden_layer_sizes</a:t>
-            </a:r>
-            <a:r>
-              <a:rPr lang="zh-CN" altLang="en-US" sz="1600" dirty="0"/>
-              <a:t>；决定模型的结构、复杂度、学习能力等，直接影响性能。</a:t>
-            </a:r>
-            <a:endParaRPr lang="en-US" altLang="zh-CN" sz="1600" dirty="0"/>
-          </a:p>
-          <a:p>
-            <a:pPr marL="800100" lvl="1" indent="-342900">
-              <a:buFont typeface="Arial" panose="020B0604020202020204" pitchFamily="34" charset="0"/>
-              <a:buChar char="•"/>
-            </a:pPr>
-            <a:r>
-              <a:rPr lang="zh-CN" altLang="en-US" sz="1600" dirty="0"/>
-              <a:t>训练参数：决定训练过程的收敛路径，影响收敛效果</a:t>
-            </a:r>
-            <a:endParaRPr lang="en-US" altLang="zh-CN" sz="1600" dirty="0"/>
-          </a:p>
-          <a:p>
-            <a:pPr marL="800100" lvl="1" indent="-342900">
-              <a:buFont typeface="Arial" panose="020B0604020202020204" pitchFamily="34" charset="0"/>
-              <a:buChar char="•"/>
-            </a:pPr>
-            <a:r>
-              <a:rPr lang="zh-CN" altLang="en-US" sz="1600" dirty="0"/>
-              <a:t>随机种：控制随机过程（初始化、抽样、打乱），只影响随机性。</a:t>
-            </a:r>
-            <a:endParaRPr lang="en-US" altLang="zh-CN" sz="1600" dirty="0"/>
-          </a:p>
-          <a:p>
-            <a:pPr marL="342900" indent="-342900">
-              <a:buFont typeface="Arial" panose="020B0604020202020204" pitchFamily="34" charset="0"/>
-              <a:buChar char="•"/>
-            </a:pPr>
-            <a:endParaRPr lang="en-US" altLang="zh-CN" sz="2000" dirty="0"/>
-          </a:p>
-          <a:p>
-            <a:pPr marL="342900" indent="-342900">
-              <a:buFont typeface="Arial" panose="020B0604020202020204" pitchFamily="34" charset="0"/>
-              <a:buChar char="•"/>
-            </a:pPr>
-            <a:r>
-              <a:rPr lang="zh-CN" altLang="en-US" sz="2000" dirty="0"/>
-              <a:t>对一组固定超参，使用多个 </a:t>
-            </a:r>
-            <a:r>
-              <a:rPr lang="en-US" altLang="zh-CN" sz="2000" dirty="0"/>
-              <a:t>seed </a:t>
-            </a:r>
-            <a:r>
-              <a:rPr lang="zh-CN" altLang="en-US" sz="2000" dirty="0"/>
-              <a:t>看指标的标准差能量化对随机性的敏感度。如果标准差大说明模型稳定性差，应该考虑更多数据或者调参，或者是某个特定的</a:t>
-            </a:r>
-            <a:r>
-              <a:rPr lang="en-US" altLang="zh-CN" sz="2000" dirty="0"/>
-              <a:t>seed</a:t>
-            </a:r>
-            <a:r>
-              <a:rPr lang="zh-CN" altLang="en-US" sz="2000" dirty="0"/>
-              <a:t>出现了极端情况。</a:t>
-            </a:r>
-          </a:p>
-        </p:txBody>
-      </p:sp>
-      <p:sp>
-        <p:nvSpPr>
-          <p:cNvPr id="3" name="标题 1"/>
-          <p:cNvSpPr txBox="1"/>
-          <p:nvPr/>
-        </p:nvSpPr>
-        <p:spPr>
-          <a:xfrm>
-            <a:off x="123825" y="142875"/>
-            <a:ext cx="8407400" cy="457835"/>
-          </a:xfrm>
-          <a:prstGeom prst="rect">
-            <a:avLst/>
-          </a:prstGeom>
-        </p:spPr>
-        <p:txBody>
-          <a:bodyPr vert="horz" lIns="91440" tIns="45720" rIns="91440" bIns="45720" rtlCol="0" anchor="ctr">
-            <a:normAutofit fontScale="95000" lnSpcReduction="10000"/>
-          </a:bodyPr>
-          <a:lstStyle>
-            <a:lvl1pPr algn="l" defTabSz="914400" rtl="0" eaLnBrk="1" latinLnBrk="0" hangingPunct="1">
-              <a:lnSpc>
-                <a:spcPct val="90000"/>
-              </a:lnSpc>
-              <a:spcBef>
-                <a:spcPct val="0"/>
-              </a:spcBef>
-              <a:buNone/>
-              <a:defRPr sz="4400" kern="1200">
-                <a:solidFill>
-                  <a:schemeClr val="tx1"/>
-                </a:solidFill>
-                <a:latin typeface="+mj-lt"/>
-                <a:ea typeface="+mj-ea"/>
-                <a:cs typeface="+mj-cs"/>
-              </a:defRPr>
-            </a:lvl1pPr>
-          </a:lstStyle>
-          <a:p>
-            <a:r>
-              <a:rPr lang="zh-CN" altLang="en-US" sz="2800" b="1">
-                <a:solidFill>
-                  <a:srgbClr val="0070C0"/>
-                </a:solidFill>
-                <a:sym typeface="+mn-ea"/>
-              </a:rPr>
-              <a:t>关于</a:t>
-            </a:r>
-            <a:r>
-              <a:rPr lang="en-US" altLang="zh-CN" sz="2800" b="1">
-                <a:solidFill>
-                  <a:srgbClr val="0070C0"/>
-                </a:solidFill>
-                <a:sym typeface="+mn-ea"/>
-              </a:rPr>
-              <a:t> </a:t>
-            </a:r>
-            <a:r>
-              <a:rPr lang="zh-CN" altLang="en-US" sz="2800" b="1">
-                <a:solidFill>
-                  <a:srgbClr val="0070C0"/>
-                </a:solidFill>
-                <a:sym typeface="+mn-ea"/>
-              </a:rPr>
-              <a:t>模型、样本量、参数的认识</a:t>
-            </a:r>
           </a:p>
         </p:txBody>
       </p:sp>
@@ -22723,6 +23524,320 @@
       </p:grpSpPr>
       <p:sp>
         <p:nvSpPr>
+          <p:cNvPr id="4" name="文本框 3"/>
+          <p:cNvSpPr txBox="1"/>
+          <p:nvPr/>
+        </p:nvSpPr>
+        <p:spPr>
+          <a:xfrm>
+            <a:off x="123825" y="859790"/>
+            <a:ext cx="11630025" cy="5998210"/>
+          </a:xfrm>
+          <a:prstGeom prst="rect">
+            <a:avLst/>
+          </a:prstGeom>
+          <a:noFill/>
+        </p:spPr>
+        <p:txBody>
+          <a:bodyPr wrap="square">
+            <a:noAutofit/>
+          </a:bodyPr>
+          <a:lstStyle/>
+          <a:p>
+            <a:pPr marL="342900" indent="-342900">
+              <a:buFont typeface="Arial" panose="020B0604020202020204" pitchFamily="34" charset="0"/>
+              <a:buChar char="•"/>
+            </a:pPr>
+            <a:r>
+              <a:rPr lang="zh-CN" altLang="en-US" sz="2000" dirty="0"/>
+              <a:t>对于要拟合的</a:t>
+            </a:r>
+            <a:r>
+              <a:rPr lang="en-US" altLang="zh-CN" sz="2000" dirty="0"/>
+              <a:t>n</a:t>
+            </a:r>
+            <a:r>
+              <a:rPr lang="zh-CN" altLang="en-US" sz="2000" dirty="0"/>
+              <a:t>与</a:t>
+            </a:r>
+            <a:r>
+              <a:rPr lang="en-US" altLang="zh-CN" sz="2000" dirty="0"/>
+              <a:t>T</a:t>
+            </a:r>
+            <a:r>
+              <a:rPr lang="zh-CN" altLang="en-US" sz="2000" dirty="0"/>
+              <a:t>，采样更多</a:t>
+            </a:r>
+            <a:r>
+              <a:rPr lang="en-US" altLang="zh-CN" sz="2000" dirty="0"/>
+              <a:t>n</a:t>
+            </a:r>
+            <a:r>
+              <a:rPr lang="zh-CN" altLang="en-US" sz="2000" dirty="0"/>
+              <a:t>能使模型更贴合数据，对同一个</a:t>
+            </a:r>
+            <a:r>
+              <a:rPr lang="en-US" altLang="zh-CN" sz="2000" dirty="0"/>
+              <a:t>n</a:t>
+            </a:r>
+            <a:r>
+              <a:rPr lang="zh-CN" altLang="en-US" sz="2000" dirty="0"/>
+              <a:t>采样更多</a:t>
+            </a:r>
+            <a:r>
+              <a:rPr lang="en-US" altLang="zh-CN" sz="2000" dirty="0"/>
+              <a:t>T</a:t>
+            </a:r>
+            <a:r>
+              <a:rPr lang="zh-CN" altLang="en-US" sz="2000" dirty="0"/>
+              <a:t>有助于降低噪声影响，提高精度。现在要拟合的关系大多数都是知道函数的形式的，因此可以更多地考虑后者。</a:t>
+            </a:r>
+            <a:endParaRPr lang="en-US" altLang="zh-CN" sz="2000" dirty="0"/>
+          </a:p>
+          <a:p>
+            <a:pPr marL="342900" indent="-342900">
+              <a:buFont typeface="Arial" panose="020B0604020202020204" pitchFamily="34" charset="0"/>
+              <a:buChar char="•"/>
+            </a:pPr>
+            <a:endParaRPr lang="en-US" altLang="zh-CN" sz="2000" dirty="0"/>
+          </a:p>
+          <a:p>
+            <a:pPr marL="342900" indent="-342900">
+              <a:buFont typeface="Arial" panose="020B0604020202020204" pitchFamily="34" charset="0"/>
+              <a:buChar char="•"/>
+            </a:pPr>
+            <a:r>
+              <a:rPr lang="zh-CN" altLang="en-US" sz="2000" dirty="0"/>
+              <a:t>当某个随机种子在当前数据上表现很好，能否推到别的数据上？</a:t>
+            </a:r>
+            <a:endParaRPr lang="en-US" altLang="zh-CN" sz="2000" dirty="0"/>
+          </a:p>
+          <a:p>
+            <a:pPr marL="800100" lvl="1" indent="-342900">
+              <a:buFont typeface="Arial" panose="020B0604020202020204" pitchFamily="34" charset="0"/>
+              <a:buChar char="•"/>
+            </a:pPr>
+            <a:r>
+              <a:rPr lang="zh-CN" altLang="en-US" sz="1600" dirty="0"/>
+              <a:t>不能保证，一次好的结果可能是随机性与样本噪声、具体数据划分、超参恰好“契合”。在其他的数据上未必如此。</a:t>
+            </a:r>
+            <a:endParaRPr lang="en-US" altLang="zh-CN" sz="1600" dirty="0"/>
+          </a:p>
+          <a:p>
+            <a:pPr marL="342900" indent="-342900">
+              <a:buFont typeface="Arial" panose="020B0604020202020204" pitchFamily="34" charset="0"/>
+              <a:buChar char="•"/>
+            </a:pPr>
+            <a:endParaRPr lang="en-US" altLang="zh-CN" sz="2000" dirty="0"/>
+          </a:p>
+          <a:p>
+            <a:pPr marL="342900" indent="-342900">
+              <a:buFont typeface="Arial" panose="020B0604020202020204" pitchFamily="34" charset="0"/>
+              <a:buChar char="•"/>
+            </a:pPr>
+            <a:r>
+              <a:rPr lang="zh-CN" altLang="en-US" sz="2000" dirty="0"/>
+              <a:t>随机种与其他参数的区别：</a:t>
+            </a:r>
+            <a:endParaRPr lang="en-US" altLang="zh-CN" sz="2000" dirty="0"/>
+          </a:p>
+          <a:p>
+            <a:pPr marL="800100" lvl="1" indent="-342900">
+              <a:buFont typeface="Arial" panose="020B0604020202020204" pitchFamily="34" charset="0"/>
+              <a:buChar char="•"/>
+            </a:pPr>
+            <a:r>
+              <a:rPr lang="zh-CN" altLang="en-US" sz="1600" dirty="0"/>
+              <a:t>模型参数（超参数）：如</a:t>
+            </a:r>
+            <a:r>
+              <a:rPr lang="en-US" altLang="zh-CN" sz="1600" dirty="0" err="1"/>
+              <a:t>n_estimators</a:t>
+            </a:r>
+            <a:r>
+              <a:rPr lang="en-US" altLang="zh-CN" sz="1600" dirty="0"/>
+              <a:t>, </a:t>
+            </a:r>
+            <a:r>
+              <a:rPr lang="en-US" altLang="zh-CN" sz="1600" dirty="0" err="1"/>
+              <a:t>max_depth</a:t>
+            </a:r>
+            <a:r>
+              <a:rPr lang="en-US" altLang="zh-CN" sz="1600" dirty="0"/>
+              <a:t>, </a:t>
+            </a:r>
+            <a:r>
+              <a:rPr lang="en-US" altLang="zh-CN" sz="1600" dirty="0" err="1"/>
+              <a:t>learning_rate</a:t>
+            </a:r>
+            <a:r>
+              <a:rPr lang="en-US" altLang="zh-CN" sz="1600" dirty="0"/>
+              <a:t>, </a:t>
+            </a:r>
+            <a:r>
+              <a:rPr lang="en-US" altLang="zh-CN" sz="1600" dirty="0" err="1"/>
+              <a:t>hidden_layer_sizes</a:t>
+            </a:r>
+            <a:r>
+              <a:rPr lang="zh-CN" altLang="en-US" sz="1600" dirty="0"/>
+              <a:t>；决定模型的结构、复杂度、学习能力等，直接影响性能。</a:t>
+            </a:r>
+            <a:endParaRPr lang="en-US" altLang="zh-CN" sz="1600" dirty="0"/>
+          </a:p>
+          <a:p>
+            <a:pPr marL="800100" lvl="1" indent="-342900">
+              <a:buFont typeface="Arial" panose="020B0604020202020204" pitchFamily="34" charset="0"/>
+              <a:buChar char="•"/>
+            </a:pPr>
+            <a:r>
+              <a:rPr lang="zh-CN" altLang="en-US" sz="1600" dirty="0"/>
+              <a:t>训练参数：决定训练过程的收敛路径，影响收敛效果</a:t>
+            </a:r>
+            <a:endParaRPr lang="en-US" altLang="zh-CN" sz="1600" dirty="0"/>
+          </a:p>
+          <a:p>
+            <a:pPr marL="800100" lvl="1" indent="-342900">
+              <a:buFont typeface="Arial" panose="020B0604020202020204" pitchFamily="34" charset="0"/>
+              <a:buChar char="•"/>
+            </a:pPr>
+            <a:r>
+              <a:rPr lang="zh-CN" altLang="en-US" sz="1600" dirty="0"/>
+              <a:t>随机种：控制随机过程（初始化、抽样、打乱），只影响随机性。</a:t>
+            </a:r>
+            <a:endParaRPr lang="en-US" altLang="zh-CN" sz="1600" dirty="0"/>
+          </a:p>
+          <a:p>
+            <a:pPr marL="342900" indent="-342900">
+              <a:buFont typeface="Arial" panose="020B0604020202020204" pitchFamily="34" charset="0"/>
+              <a:buChar char="•"/>
+            </a:pPr>
+            <a:endParaRPr lang="en-US" altLang="zh-CN" sz="2000" dirty="0"/>
+          </a:p>
+          <a:p>
+            <a:pPr marL="342900" indent="-342900">
+              <a:buFont typeface="Arial" panose="020B0604020202020204" pitchFamily="34" charset="0"/>
+              <a:buChar char="•"/>
+            </a:pPr>
+            <a:r>
+              <a:rPr lang="zh-CN" altLang="en-US" sz="2000" dirty="0"/>
+              <a:t>对一组固定超参，使用多个 </a:t>
+            </a:r>
+            <a:r>
+              <a:rPr lang="en-US" altLang="zh-CN" sz="2000" dirty="0"/>
+              <a:t>seed </a:t>
+            </a:r>
+            <a:r>
+              <a:rPr lang="zh-CN" altLang="en-US" sz="2000" dirty="0"/>
+              <a:t>看指标的标准差能量化对随机性的敏感度。如果标准差大说明模型稳定性差，应该考虑更多数据或者调参，或者是某个特定的</a:t>
+            </a:r>
+            <a:r>
+              <a:rPr lang="en-US" altLang="zh-CN" sz="2000" dirty="0"/>
+              <a:t>seed</a:t>
+            </a:r>
+            <a:r>
+              <a:rPr lang="zh-CN" altLang="en-US" sz="2000" dirty="0"/>
+              <a:t>出现了极端情况。</a:t>
+            </a:r>
+          </a:p>
+        </p:txBody>
+      </p:sp>
+      <p:sp>
+        <p:nvSpPr>
+          <p:cNvPr id="3" name="标题 1"/>
+          <p:cNvSpPr txBox="1"/>
+          <p:nvPr/>
+        </p:nvSpPr>
+        <p:spPr>
+          <a:xfrm>
+            <a:off x="123825" y="142875"/>
+            <a:ext cx="8407400" cy="457835"/>
+          </a:xfrm>
+          <a:prstGeom prst="rect">
+            <a:avLst/>
+          </a:prstGeom>
+        </p:spPr>
+        <p:txBody>
+          <a:bodyPr vert="horz" lIns="91440" tIns="45720" rIns="91440" bIns="45720" rtlCol="0" anchor="ctr">
+            <a:normAutofit fontScale="95000" lnSpcReduction="10000"/>
+          </a:bodyPr>
+          <a:lstStyle>
+            <a:lvl1pPr algn="l" defTabSz="914400" rtl="0" eaLnBrk="1" latinLnBrk="0" hangingPunct="1">
+              <a:lnSpc>
+                <a:spcPct val="90000"/>
+              </a:lnSpc>
+              <a:spcBef>
+                <a:spcPct val="0"/>
+              </a:spcBef>
+              <a:buNone/>
+              <a:defRPr sz="4400" kern="1200">
+                <a:solidFill>
+                  <a:schemeClr val="tx1"/>
+                </a:solidFill>
+                <a:latin typeface="+mj-lt"/>
+                <a:ea typeface="+mj-ea"/>
+                <a:cs typeface="+mj-cs"/>
+              </a:defRPr>
+            </a:lvl1pPr>
+          </a:lstStyle>
+          <a:p>
+            <a:r>
+              <a:rPr lang="zh-CN" altLang="en-US" sz="2800" b="1">
+                <a:solidFill>
+                  <a:srgbClr val="0070C0"/>
+                </a:solidFill>
+                <a:sym typeface="+mn-ea"/>
+              </a:rPr>
+              <a:t>关于</a:t>
+            </a:r>
+            <a:r>
+              <a:rPr lang="en-US" altLang="zh-CN" sz="2800" b="1">
+                <a:solidFill>
+                  <a:srgbClr val="0070C0"/>
+                </a:solidFill>
+                <a:sym typeface="+mn-ea"/>
+              </a:rPr>
+              <a:t> </a:t>
+            </a:r>
+            <a:r>
+              <a:rPr lang="zh-CN" altLang="en-US" sz="2800" b="1">
+                <a:solidFill>
+                  <a:srgbClr val="0070C0"/>
+                </a:solidFill>
+                <a:sym typeface="+mn-ea"/>
+              </a:rPr>
+              <a:t>模型、样本量、参数的认识</a:t>
+            </a:r>
+          </a:p>
+        </p:txBody>
+      </p:sp>
+    </p:spTree>
+  </p:cSld>
+  <p:clrMapOvr>
+    <a:masterClrMapping/>
+  </p:clrMapOvr>
+  <p:transition/>
+</p:sld>
+</file>
+
+<file path=ppt/slides/slide21.xml><?xml version="1.0" encoding="utf-8"?>
+<p:sld xmlns:a="http://schemas.openxmlformats.org/drawingml/2006/main" xmlns:r="http://schemas.openxmlformats.org/officeDocument/2006/relationships" xmlns:p="http://schemas.openxmlformats.org/presentationml/2006/main">
+  <p:cSld>
+    <p:spTree>
+      <p:nvGrpSpPr>
+        <p:cNvPr id="1" name=""/>
+        <p:cNvGrpSpPr/>
+        <p:nvPr/>
+      </p:nvGrpSpPr>
+      <p:grpSpPr>
+        <a:xfrm>
+          <a:off x="0" y="0"/>
+          <a:ext cx="0" cy="0"/>
+          <a:chOff x="0" y="0"/>
+          <a:chExt cx="0" cy="0"/>
+        </a:xfrm>
+      </p:grpSpPr>
+      <p:sp>
+        <p:nvSpPr>
           <p:cNvPr id="16" name="文本框 15"/>
           <p:cNvSpPr txBox="1"/>
           <p:nvPr/>
@@ -23331,7 +24446,7 @@
 </p:sld>
 </file>
 
-<file path=ppt/slides/slide21.xml><?xml version="1.0" encoding="utf-8"?>
+<file path=ppt/slides/slide22.xml><?xml version="1.0" encoding="utf-8"?>
 <p:sld xmlns:a="http://schemas.openxmlformats.org/drawingml/2006/main" xmlns:r="http://schemas.openxmlformats.org/officeDocument/2006/relationships" xmlns:p="http://schemas.openxmlformats.org/presentationml/2006/main">
   <p:cSld>
     <p:spTree>
@@ -23703,7 +24818,7 @@
 </p:sld>
 </file>
 
-<file path=ppt/slides/slide22.xml><?xml version="1.0" encoding="utf-8"?>
+<file path=ppt/slides/slide23.xml><?xml version="1.0" encoding="utf-8"?>
 <p:sld xmlns:a="http://schemas.openxmlformats.org/drawingml/2006/main" xmlns:r="http://schemas.openxmlformats.org/officeDocument/2006/relationships" xmlns:p="http://schemas.openxmlformats.org/presentationml/2006/main">
   <p:cSld>
     <p:spTree>
@@ -23960,7 +25075,7 @@
 </p:sld>
 </file>
 
-<file path=ppt/slides/slide23.xml><?xml version="1.0" encoding="utf-8"?>
+<file path=ppt/slides/slide24.xml><?xml version="1.0" encoding="utf-8"?>
 <p:sld xmlns:a="http://schemas.openxmlformats.org/drawingml/2006/main" xmlns:r="http://schemas.openxmlformats.org/officeDocument/2006/relationships" xmlns:p="http://schemas.openxmlformats.org/presentationml/2006/main">
   <p:cSld>
     <p:spTree>
@@ -24337,8 +25452,28 @@
               <a:buNone/>
             </a:pPr>
             <a:r>
+              <a:rPr lang="zh-CN" altLang="en-US" sz="1800"/>
+              <a:t>在</a:t>
+            </a:r>
+            <a:r>
+              <a:rPr lang="en-US" altLang="zh-CN" sz="1800"/>
+              <a:t>7</a:t>
+            </a:r>
+            <a:r>
+              <a:rPr lang="zh-CN" altLang="en-US" sz="1800"/>
+              <a:t>个</a:t>
+            </a:r>
+            <a:r>
+              <a:rPr lang="en-US" altLang="zh-CN" sz="1800"/>
+              <a:t>seed</a:t>
+            </a:r>
+            <a:r>
+              <a:rPr lang="zh-CN" altLang="en-US" sz="1800"/>
+              <a:t>上的平均水平都</a:t>
+            </a:r>
+            <a:r>
               <a:rPr lang="zh-CN" altLang="en-US" sz="1800" dirty="0"/>
-              <a:t>都满足：</a:t>
+              <a:t>满足：</a:t>
             </a:r>
             <a:endParaRPr lang="en-US" altLang="zh-CN" sz="1800" dirty="0"/>
           </a:p>
@@ -24589,8 +25724,8 @@
         </p:blipFill>
         <p:spPr>
           <a:xfrm>
-            <a:off x="5950585" y="724340"/>
-            <a:ext cx="12949036" cy="5554281"/>
+            <a:off x="5962154" y="724340"/>
+            <a:ext cx="12925897" cy="5554281"/>
           </a:xfrm>
           <a:prstGeom prst="rect">
             <a:avLst/>
@@ -24637,6 +25772,123 @@
 </file>
 
 <file path=ppt/slides/slide4.xml><?xml version="1.0" encoding="utf-8"?>
+<p:sld xmlns:a="http://schemas.openxmlformats.org/drawingml/2006/main" xmlns:r="http://schemas.openxmlformats.org/officeDocument/2006/relationships" xmlns:p="http://schemas.openxmlformats.org/presentationml/2006/main">
+  <p:cSld>
+    <p:spTree>
+      <p:nvGrpSpPr>
+        <p:cNvPr id="1" name=""/>
+        <p:cNvGrpSpPr/>
+        <p:nvPr/>
+      </p:nvGrpSpPr>
+      <p:grpSpPr>
+        <a:xfrm>
+          <a:off x="0" y="0"/>
+          <a:ext cx="0" cy="0"/>
+          <a:chOff x="0" y="0"/>
+          <a:chExt cx="0" cy="0"/>
+        </a:xfrm>
+      </p:grpSpPr>
+      <p:pic>
+        <p:nvPicPr>
+          <p:cNvPr id="2" name="图片 1">
+            <a:extLst>
+              <a:ext uri="{FF2B5EF4-FFF2-40B4-BE49-F238E27FC236}">
+                <a16:creationId xmlns:a16="http://schemas.microsoft.com/office/drawing/2014/main" id="{0BE76A0F-F1EA-D295-05E4-8966FCEF1D88}"/>
+              </a:ext>
+            </a:extLst>
+          </p:cNvPr>
+          <p:cNvPicPr>
+            <a:picLocks noChangeAspect="1"/>
+          </p:cNvPicPr>
+          <p:nvPr/>
+        </p:nvPicPr>
+        <p:blipFill>
+          <a:blip r:embed="rId2"/>
+          <a:stretch>
+            <a:fillRect/>
+          </a:stretch>
+        </p:blipFill>
+        <p:spPr>
+          <a:xfrm>
+            <a:off x="1701920" y="1088565"/>
+            <a:ext cx="8788160" cy="5488546"/>
+          </a:xfrm>
+          <a:prstGeom prst="rect">
+            <a:avLst/>
+          </a:prstGeom>
+        </p:spPr>
+      </p:pic>
+      <p:sp>
+        <p:nvSpPr>
+          <p:cNvPr id="3" name="文本框 2">
+            <a:extLst>
+              <a:ext uri="{FF2B5EF4-FFF2-40B4-BE49-F238E27FC236}">
+                <a16:creationId xmlns:a16="http://schemas.microsoft.com/office/drawing/2014/main" id="{790DBFD4-BCC6-0FD2-ED48-AADFC1BCD142}"/>
+              </a:ext>
+            </a:extLst>
+          </p:cNvPr>
+          <p:cNvSpPr txBox="1"/>
+          <p:nvPr/>
+        </p:nvSpPr>
+        <p:spPr>
+          <a:xfrm>
+            <a:off x="4059226" y="134458"/>
+            <a:ext cx="3355406" cy="954107"/>
+          </a:xfrm>
+          <a:prstGeom prst="rect">
+            <a:avLst/>
+          </a:prstGeom>
+          <a:noFill/>
+        </p:spPr>
+        <p:txBody>
+          <a:bodyPr wrap="none" rtlCol="0">
+            <a:spAutoFit/>
+          </a:bodyPr>
+          <a:lstStyle/>
+          <a:p>
+            <a:pPr algn="ctr"/>
+            <a:r>
+              <a:rPr lang="zh-CN" altLang="en-US" sz="2800" dirty="0"/>
+              <a:t>实验</a:t>
+            </a:r>
+            <a:r>
+              <a:rPr lang="zh-CN" altLang="en-US" sz="2800"/>
+              <a:t>结果一览表</a:t>
+            </a:r>
+            <a:endParaRPr lang="en-US" altLang="zh-CN" sz="2800"/>
+          </a:p>
+          <a:p>
+            <a:pPr algn="ctr"/>
+            <a:r>
+              <a:rPr lang="zh-CN" altLang="en-US" sz="2800"/>
+              <a:t>各方法的</a:t>
+            </a:r>
+            <a:r>
+              <a:rPr lang="en-US" altLang="zh-CN" sz="2800"/>
+              <a:t>MAPE</a:t>
+            </a:r>
+            <a:r>
+              <a:rPr lang="zh-CN" altLang="en-US" sz="2800"/>
+              <a:t>范围</a:t>
+            </a:r>
+            <a:endParaRPr lang="zh-CN" altLang="en-US" sz="2800" dirty="0"/>
+          </a:p>
+        </p:txBody>
+      </p:sp>
+    </p:spTree>
+    <p:extLst>
+      <p:ext uri="{BB962C8B-B14F-4D97-AF65-F5344CB8AC3E}">
+        <p14:creationId xmlns:p14="http://schemas.microsoft.com/office/powerpoint/2010/main" val="2325683881"/>
+      </p:ext>
+    </p:extLst>
+  </p:cSld>
+  <p:clrMapOvr>
+    <a:masterClrMapping/>
+  </p:clrMapOvr>
+</p:sld>
+</file>
+
+<file path=ppt/slides/slide5.xml><?xml version="1.0" encoding="utf-8"?>
 <p:sld xmlns:a="http://schemas.openxmlformats.org/drawingml/2006/main" xmlns:r="http://schemas.openxmlformats.org/officeDocument/2006/relationships" xmlns:p="http://schemas.openxmlformats.org/presentationml/2006/main">
   <p:cSld>
     <p:spTree>
@@ -24699,7 +25951,7 @@
 </p:sld>
 </file>
 
-<file path=ppt/slides/slide5.xml><?xml version="1.0" encoding="utf-8"?>
+<file path=ppt/slides/slide6.xml><?xml version="1.0" encoding="utf-8"?>
 <p:sld xmlns:a="http://schemas.openxmlformats.org/drawingml/2006/main" xmlns:r="http://schemas.openxmlformats.org/officeDocument/2006/relationships" xmlns:p="http://schemas.openxmlformats.org/presentationml/2006/main">
   <p:cSld>
     <p:spTree>
@@ -25553,7 +26805,7 @@
 </p:sld>
 </file>
 
-<file path=ppt/slides/slide6.xml><?xml version="1.0" encoding="utf-8"?>
+<file path=ppt/slides/slide7.xml><?xml version="1.0" encoding="utf-8"?>
 <p:sld xmlns:a="http://schemas.openxmlformats.org/drawingml/2006/main" xmlns:r="http://schemas.openxmlformats.org/officeDocument/2006/relationships" xmlns:p="http://schemas.openxmlformats.org/presentationml/2006/main">
   <p:cSld>
     <p:spTree>
@@ -25957,7 +27209,7 @@
 </p:sld>
 </file>
 
-<file path=ppt/slides/slide7.xml><?xml version="1.0" encoding="utf-8"?>
+<file path=ppt/slides/slide8.xml><?xml version="1.0" encoding="utf-8"?>
 <p:sld xmlns:a="http://schemas.openxmlformats.org/drawingml/2006/main" xmlns:r="http://schemas.openxmlformats.org/officeDocument/2006/relationships" xmlns:p="http://schemas.openxmlformats.org/presentationml/2006/main">
   <p:cSld>
     <p:spTree>
@@ -27251,7 +28503,7 @@
 </p:sld>
 </file>
 
-<file path=ppt/slides/slide8.xml><?xml version="1.0" encoding="utf-8"?>
+<file path=ppt/slides/slide9.xml><?xml version="1.0" encoding="utf-8"?>
 <p:sld xmlns:a="http://schemas.openxmlformats.org/drawingml/2006/main" xmlns:r="http://schemas.openxmlformats.org/officeDocument/2006/relationships" xmlns:p="http://schemas.openxmlformats.org/presentationml/2006/main">
   <p:cSld>
     <p:spTree>
@@ -28019,1120 +29271,6 @@
               <a:t>随机森林回归</a:t>
             </a:r>
             <a:endParaRPr lang="zh-CN" altLang="en-US" sz="2800" dirty="0"/>
-          </a:p>
-        </p:txBody>
-      </p:sp>
-    </p:spTree>
-  </p:cSld>
-  <p:clrMapOvr>
-    <a:masterClrMapping/>
-  </p:clrMapOvr>
-  <p:transition/>
-</p:sld>
-</file>
-
-<file path=ppt/slides/slide9.xml><?xml version="1.0" encoding="utf-8"?>
-<p:sld xmlns:a="http://schemas.openxmlformats.org/drawingml/2006/main" xmlns:r="http://schemas.openxmlformats.org/officeDocument/2006/relationships" xmlns:p="http://schemas.openxmlformats.org/presentationml/2006/main">
-  <p:cSld>
-    <p:spTree>
-      <p:nvGrpSpPr>
-        <p:cNvPr id="1" name=""/>
-        <p:cNvGrpSpPr/>
-        <p:nvPr/>
-      </p:nvGrpSpPr>
-      <p:grpSpPr>
-        <a:xfrm>
-          <a:off x="0" y="0"/>
-          <a:ext cx="0" cy="0"/>
-          <a:chOff x="0" y="0"/>
-          <a:chExt cx="0" cy="0"/>
-        </a:xfrm>
-      </p:grpSpPr>
-      <p:sp>
-        <p:nvSpPr>
-          <p:cNvPr id="2" name="标题 1"/>
-          <p:cNvSpPr>
-            <a:spLocks noGrp="1"/>
-          </p:cNvSpPr>
-          <p:nvPr>
-            <p:ph type="title" idx="4294967295"/>
-          </p:nvPr>
-        </p:nvSpPr>
-        <p:spPr>
-          <a:xfrm>
-            <a:off x="124097" y="143056"/>
-            <a:ext cx="6651171" cy="457835"/>
-          </a:xfrm>
-        </p:spPr>
-        <p:txBody>
-          <a:bodyPr>
-            <a:normAutofit fontScale="90000"/>
-          </a:bodyPr>
-          <a:lstStyle/>
-          <a:p>
-            <a:r>
-              <a:rPr lang="zh-CN" altLang="en-US" sz="2800" dirty="0"/>
-              <a:t>随机森林回归</a:t>
-            </a:r>
-          </a:p>
-        </p:txBody>
-      </p:sp>
-      <p:pic>
-        <p:nvPicPr>
-          <p:cNvPr id="5" name="图片 4"/>
-          <p:cNvPicPr>
-            <a:picLocks noChangeAspect="1"/>
-          </p:cNvPicPr>
-          <p:nvPr/>
-        </p:nvPicPr>
-        <p:blipFill>
-          <a:blip r:embed="rId2">
-            <a:extLst>
-              <a:ext uri="{28A0092B-C50C-407E-A947-70E740481C1C}">
-                <a14:useLocalDpi xmlns:a14="http://schemas.microsoft.com/office/drawing/2010/main" val="0"/>
-              </a:ext>
-            </a:extLst>
-          </a:blip>
-          <a:srcRect/>
-          <a:stretch>
-            <a:fillRect/>
-          </a:stretch>
-        </p:blipFill>
-        <p:spPr>
-          <a:xfrm>
-            <a:off x="123825" y="774065"/>
-            <a:ext cx="3710940" cy="2655570"/>
-          </a:xfrm>
-          <a:prstGeom prst="rect">
-            <a:avLst/>
-          </a:prstGeom>
-        </p:spPr>
-      </p:pic>
-      <p:sp>
-        <p:nvSpPr>
-          <p:cNvPr id="8" name="标题 1"/>
-          <p:cNvSpPr txBox="1"/>
-          <p:nvPr/>
-        </p:nvSpPr>
-        <p:spPr>
-          <a:xfrm>
-            <a:off x="3583305" y="774065"/>
-            <a:ext cx="2513330" cy="2465070"/>
-          </a:xfrm>
-          <a:prstGeom prst="rect">
-            <a:avLst/>
-          </a:prstGeom>
-        </p:spPr>
-        <p:txBody>
-          <a:bodyPr vert="horz" lIns="91440" tIns="45720" rIns="91440" bIns="45720" rtlCol="0" anchor="ctr">
-            <a:noAutofit/>
-          </a:bodyPr>
-          <a:lstStyle>
-            <a:lvl1pPr algn="l" defTabSz="914400" rtl="0" eaLnBrk="1" latinLnBrk="0" hangingPunct="1">
-              <a:lnSpc>
-                <a:spcPct val="90000"/>
-              </a:lnSpc>
-              <a:spcBef>
-                <a:spcPct val="0"/>
-              </a:spcBef>
-              <a:buNone/>
-              <a:defRPr sz="4400" kern="1200">
-                <a:solidFill>
-                  <a:schemeClr val="tx1"/>
-                </a:solidFill>
-                <a:latin typeface="+mj-lt"/>
-                <a:ea typeface="+mj-ea"/>
-                <a:cs typeface="+mj-cs"/>
-              </a:defRPr>
-            </a:lvl1pPr>
-          </a:lstStyle>
-          <a:p>
-            <a:r>
-              <a:rPr lang="en-US" altLang="zh-CN" sz="1000" dirty="0">
-                <a:latin typeface="Consolas" panose="020B0609020204030204" pitchFamily="49" charset="0"/>
-              </a:rPr>
-              <a:t> model = RandomForestRegressor(</a:t>
-            </a:r>
-          </a:p>
-          <a:p>
-            <a:r>
-              <a:rPr lang="en-US" altLang="zh-CN" sz="1000" dirty="0">
-                <a:latin typeface="Consolas" panose="020B0609020204030204" pitchFamily="49" charset="0"/>
-              </a:rPr>
-              <a:t>        </a:t>
-            </a:r>
-            <a:r>
-              <a:rPr lang="en-US" altLang="zh-CN" sz="1000" dirty="0" err="1">
-                <a:latin typeface="Consolas" panose="020B0609020204030204" pitchFamily="49" charset="0"/>
-              </a:rPr>
-              <a:t>n_estimators</a:t>
-            </a:r>
-            <a:r>
-              <a:rPr lang="en-US" altLang="zh-CN" sz="1000" dirty="0">
-                <a:latin typeface="Consolas" panose="020B0609020204030204" pitchFamily="49" charset="0"/>
-              </a:rPr>
-              <a:t>=100, </a:t>
-            </a:r>
-          </a:p>
-          <a:p>
-            <a:r>
-              <a:rPr lang="en-US" altLang="zh-CN" sz="1000" dirty="0">
-                <a:latin typeface="Consolas" panose="020B0609020204030204" pitchFamily="49" charset="0"/>
-              </a:rPr>
-              <a:t>        </a:t>
-            </a:r>
-            <a:r>
-              <a:rPr lang="en-US" altLang="zh-CN" sz="1000" dirty="0" err="1">
-                <a:latin typeface="Consolas" panose="020B0609020204030204" pitchFamily="49" charset="0"/>
-              </a:rPr>
-              <a:t>random_state</a:t>
-            </a:r>
-            <a:r>
-              <a:rPr lang="en-US" altLang="zh-CN" sz="1000" dirty="0">
-                <a:latin typeface="Consolas" panose="020B0609020204030204" pitchFamily="49" charset="0"/>
-              </a:rPr>
-              <a:t>=2</a:t>
-            </a:r>
-          </a:p>
-          <a:p>
-            <a:r>
-              <a:rPr lang="en-US" altLang="zh-CN" sz="1000" dirty="0">
-                <a:latin typeface="Consolas" panose="020B0609020204030204" pitchFamily="49" charset="0"/>
-              </a:rPr>
-              <a:t>        )</a:t>
-            </a:r>
-          </a:p>
-          <a:p>
-            <a:endParaRPr lang="pt-BR" altLang="zh-CN" sz="1000" dirty="0">
-              <a:latin typeface="Alte DIN 1451 Mittelschrift gep" panose="020B0603020202020204" pitchFamily="34" charset="0"/>
-            </a:endParaRPr>
-          </a:p>
-          <a:p>
-            <a:r>
-              <a:rPr lang="pt-BR" altLang="zh-CN" sz="2000" dirty="0">
-                <a:latin typeface="Alte DIN 1451 Mittelschrift gep" panose="020B0603020202020204" pitchFamily="34" charset="0"/>
-              </a:rPr>
-              <a:t>MAPE: 0.1769</a:t>
-            </a:r>
-          </a:p>
-          <a:p>
-            <a:r>
-              <a:rPr lang="pt-BR" altLang="zh-CN" sz="2000" dirty="0">
-                <a:latin typeface="Alte DIN 1451 Mittelschrift gep" panose="020B0603020202020204" pitchFamily="34" charset="0"/>
-              </a:rPr>
-              <a:t>R²: 0.5288</a:t>
-            </a:r>
-          </a:p>
-          <a:p>
-            <a:r>
-              <a:rPr lang="pt-BR" altLang="zh-CN" sz="2000" dirty="0">
-                <a:latin typeface="Alte DIN 1451 Mittelschrift gep" panose="020B0603020202020204" pitchFamily="34" charset="0"/>
-              </a:rPr>
-              <a:t>RMSE: 236.0175</a:t>
-            </a:r>
-            <a:endParaRPr lang="zh-CN" altLang="en-US" sz="2000" dirty="0">
-              <a:latin typeface="Alte DIN 1451 Mittelschrift gep" panose="020B0603020202020204" pitchFamily="34" charset="0"/>
-            </a:endParaRPr>
-          </a:p>
-        </p:txBody>
-      </p:sp>
-      <p:pic>
-        <p:nvPicPr>
-          <p:cNvPr id="6" name="图片 5"/>
-          <p:cNvPicPr>
-            <a:picLocks noChangeAspect="1"/>
-          </p:cNvPicPr>
-          <p:nvPr/>
-        </p:nvPicPr>
-        <p:blipFill>
-          <a:blip r:embed="rId3">
-            <a:extLst>
-              <a:ext uri="{28A0092B-C50C-407E-A947-70E740481C1C}">
-                <a14:useLocalDpi xmlns:a14="http://schemas.microsoft.com/office/drawing/2010/main" val="0"/>
-              </a:ext>
-            </a:extLst>
-          </a:blip>
-          <a:srcRect/>
-          <a:stretch>
-            <a:fillRect/>
-          </a:stretch>
-        </p:blipFill>
-        <p:spPr>
-          <a:xfrm>
-            <a:off x="5965825" y="672465"/>
-            <a:ext cx="3469005" cy="2757170"/>
-          </a:xfrm>
-          <a:prstGeom prst="rect">
-            <a:avLst/>
-          </a:prstGeom>
-        </p:spPr>
-      </p:pic>
-      <p:sp>
-        <p:nvSpPr>
-          <p:cNvPr id="7" name="标题 1"/>
-          <p:cNvSpPr txBox="1"/>
-          <p:nvPr/>
-        </p:nvSpPr>
-        <p:spPr>
-          <a:xfrm>
-            <a:off x="9443447" y="774283"/>
-            <a:ext cx="2738845" cy="2593346"/>
-          </a:xfrm>
-          <a:prstGeom prst="rect">
-            <a:avLst/>
-          </a:prstGeom>
-        </p:spPr>
-        <p:txBody>
-          <a:bodyPr vert="horz" lIns="91440" tIns="45720" rIns="91440" bIns="45720" rtlCol="0" anchor="ctr">
-            <a:noAutofit/>
-          </a:bodyPr>
-          <a:lstStyle>
-            <a:lvl1pPr algn="l" defTabSz="914400" rtl="0" eaLnBrk="1" latinLnBrk="0" hangingPunct="1">
-              <a:lnSpc>
-                <a:spcPct val="90000"/>
-              </a:lnSpc>
-              <a:spcBef>
-                <a:spcPct val="0"/>
-              </a:spcBef>
-              <a:buNone/>
-              <a:defRPr sz="4400" kern="1200">
-                <a:solidFill>
-                  <a:schemeClr val="tx1"/>
-                </a:solidFill>
-                <a:latin typeface="+mj-lt"/>
-                <a:ea typeface="+mj-ea"/>
-                <a:cs typeface="+mj-cs"/>
-              </a:defRPr>
-            </a:lvl1pPr>
-          </a:lstStyle>
-          <a:p>
-            <a:r>
-              <a:rPr lang="en-US" altLang="zh-CN" sz="1000" dirty="0">
-                <a:latin typeface="Consolas" panose="020B0609020204030204" pitchFamily="49" charset="0"/>
-              </a:rPr>
-              <a:t>Best params (</a:t>
-            </a:r>
-            <a:r>
-              <a:rPr lang="en-US" altLang="zh-CN" sz="1000" dirty="0" err="1">
-                <a:latin typeface="Consolas" panose="020B0609020204030204" pitchFamily="49" charset="0"/>
-              </a:rPr>
-              <a:t>random_forest_tuned</a:t>
-            </a:r>
-            <a:r>
-              <a:rPr lang="en-US" altLang="zh-CN" sz="1000" dirty="0">
-                <a:latin typeface="Consolas" panose="020B0609020204030204" pitchFamily="49" charset="0"/>
-              </a:rPr>
-              <a:t>, FFT): {'bootstrap': False, '</a:t>
-            </a:r>
-            <a:r>
-              <a:rPr lang="en-US" altLang="zh-CN" sz="1000" dirty="0" err="1">
-                <a:latin typeface="Consolas" panose="020B0609020204030204" pitchFamily="49" charset="0"/>
-              </a:rPr>
-              <a:t>max_depth</a:t>
-            </a:r>
-            <a:r>
-              <a:rPr lang="en-US" altLang="zh-CN" sz="1000" dirty="0">
-                <a:latin typeface="Consolas" panose="020B0609020204030204" pitchFamily="49" charset="0"/>
-              </a:rPr>
-              <a:t>': 13, '</a:t>
-            </a:r>
-            <a:r>
-              <a:rPr lang="en-US" altLang="zh-CN" sz="1000" dirty="0" err="1">
-                <a:latin typeface="Consolas" panose="020B0609020204030204" pitchFamily="49" charset="0"/>
-              </a:rPr>
-              <a:t>max_features</a:t>
-            </a:r>
-            <a:r>
-              <a:rPr lang="en-US" altLang="zh-CN" sz="1000" dirty="0">
-                <a:latin typeface="Consolas" panose="020B0609020204030204" pitchFamily="49" charset="0"/>
-              </a:rPr>
-              <a:t>': 'log2', '</a:t>
-            </a:r>
-            <a:r>
-              <a:rPr lang="en-US" altLang="zh-CN" sz="1000" dirty="0" err="1">
-                <a:latin typeface="Consolas" panose="020B0609020204030204" pitchFamily="49" charset="0"/>
-              </a:rPr>
-              <a:t>min_samples_leaf</a:t>
-            </a:r>
-            <a:r>
-              <a:rPr lang="en-US" altLang="zh-CN" sz="1000" dirty="0">
-                <a:latin typeface="Consolas" panose="020B0609020204030204" pitchFamily="49" charset="0"/>
-              </a:rPr>
-              <a:t>': 3, '</a:t>
-            </a:r>
-            <a:r>
-              <a:rPr lang="en-US" altLang="zh-CN" sz="1000" dirty="0" err="1">
-                <a:latin typeface="Consolas" panose="020B0609020204030204" pitchFamily="49" charset="0"/>
-              </a:rPr>
-              <a:t>min_samples_split</a:t>
-            </a:r>
-            <a:r>
-              <a:rPr lang="en-US" altLang="zh-CN" sz="1000" dirty="0">
-                <a:latin typeface="Consolas" panose="020B0609020204030204" pitchFamily="49" charset="0"/>
-              </a:rPr>
-              <a:t>': 7, '</a:t>
-            </a:r>
-            <a:r>
-              <a:rPr lang="en-US" altLang="zh-CN" sz="1000" dirty="0" err="1">
-                <a:latin typeface="Consolas" panose="020B0609020204030204" pitchFamily="49" charset="0"/>
-              </a:rPr>
-              <a:t>n_estimators</a:t>
-            </a:r>
-            <a:r>
-              <a:rPr lang="en-US" altLang="zh-CN" sz="1000" dirty="0">
-                <a:latin typeface="Consolas" panose="020B0609020204030204" pitchFamily="49" charset="0"/>
-              </a:rPr>
-              <a:t>': 284}</a:t>
-            </a:r>
-          </a:p>
-          <a:p>
-            <a:endParaRPr lang="pt-BR" altLang="zh-CN" sz="1000" dirty="0">
-              <a:latin typeface="Alte DIN 1451 Mittelschrift gep" panose="020B0603020202020204" pitchFamily="34" charset="0"/>
-            </a:endParaRPr>
-          </a:p>
-          <a:p>
-            <a:r>
-              <a:rPr lang="pt-BR" altLang="zh-CN" sz="2000" dirty="0">
-                <a:latin typeface="Alte DIN 1451 Mittelschrift gep" panose="020B0603020202020204" pitchFamily="34" charset="0"/>
-              </a:rPr>
-              <a:t>MAPE: 0.5116</a:t>
-            </a:r>
-          </a:p>
-          <a:p>
-            <a:r>
-              <a:rPr lang="pt-BR" altLang="zh-CN" sz="2000" dirty="0">
-                <a:latin typeface="Alte DIN 1451 Mittelschrift gep" panose="020B0603020202020204" pitchFamily="34" charset="0"/>
-              </a:rPr>
-              <a:t>R²: 0.3419</a:t>
-            </a:r>
-          </a:p>
-          <a:p>
-            <a:r>
-              <a:rPr lang="pt-BR" altLang="zh-CN" sz="2000" dirty="0">
-                <a:latin typeface="Alte DIN 1451 Mittelschrift gep" panose="020B0603020202020204" pitchFamily="34" charset="0"/>
-              </a:rPr>
-              <a:t>RMSE: 278.9316</a:t>
-            </a:r>
-            <a:endParaRPr lang="zh-CN" altLang="en-US" sz="2000" dirty="0">
-              <a:latin typeface="Alte DIN 1451 Mittelschrift gep" panose="020B0603020202020204" pitchFamily="34" charset="0"/>
-            </a:endParaRPr>
-          </a:p>
-        </p:txBody>
-      </p:sp>
-      <p:sp>
-        <p:nvSpPr>
-          <p:cNvPr id="3" name="标题 1"/>
-          <p:cNvSpPr>
-            <a:spLocks noGrp="1"/>
-          </p:cNvSpPr>
-          <p:nvPr/>
-        </p:nvSpPr>
-        <p:spPr>
-          <a:xfrm>
-            <a:off x="3374390" y="142875"/>
-            <a:ext cx="3401060" cy="408940"/>
-          </a:xfrm>
-        </p:spPr>
-        <p:txBody>
-          <a:bodyPr>
-            <a:normAutofit fontScale="87500" lnSpcReduction="10000"/>
-          </a:bodyPr>
-          <a:lstStyle>
-            <a:lvl1pPr algn="l" defTabSz="914400" rtl="0" eaLnBrk="1" latinLnBrk="0" hangingPunct="1">
-              <a:lnSpc>
-                <a:spcPct val="90000"/>
-              </a:lnSpc>
-              <a:spcBef>
-                <a:spcPct val="0"/>
-              </a:spcBef>
-              <a:buNone/>
-              <a:defRPr sz="2800" b="1" kern="1200">
-                <a:solidFill>
-                  <a:srgbClr val="0070C0"/>
-                </a:solidFill>
-                <a:latin typeface="+mj-lt"/>
-                <a:ea typeface="+mj-ea"/>
-                <a:cs typeface="+mj-cs"/>
-              </a:defRPr>
-            </a:lvl1pPr>
-          </a:lstStyle>
-          <a:p>
-            <a:r>
-              <a:rPr lang="en-US" altLang="zh-CN" sz="2800" b="1">
-                <a:solidFill>
-                  <a:srgbClr val="FF0000"/>
-                </a:solidFill>
-                <a:latin typeface="+mn-ea"/>
-              </a:rPr>
-              <a:t>FFT</a:t>
-            </a:r>
-            <a:r>
-              <a:rPr lang="zh-CN" altLang="en-US" sz="2800" b="1">
-                <a:solidFill>
-                  <a:srgbClr val="FF0000"/>
-                </a:solidFill>
-                <a:latin typeface="+mn-ea"/>
-              </a:rPr>
-              <a:t>表现依然很差</a:t>
-            </a:r>
-            <a:endParaRPr lang="zh-CN" altLang="en-US" sz="2800">
-              <a:solidFill>
-                <a:srgbClr val="FF0000"/>
-              </a:solidFill>
-            </a:endParaRPr>
-          </a:p>
-        </p:txBody>
-      </p:sp>
-      <p:sp>
-        <p:nvSpPr>
-          <p:cNvPr id="4" name="文本框 3"/>
-          <p:cNvSpPr txBox="1"/>
-          <p:nvPr/>
-        </p:nvSpPr>
-        <p:spPr>
-          <a:xfrm>
-            <a:off x="433705" y="3602990"/>
-            <a:ext cx="10783570" cy="2898775"/>
-          </a:xfrm>
-          <a:prstGeom prst="rect">
-            <a:avLst/>
-          </a:prstGeom>
-          <a:noFill/>
-        </p:spPr>
-        <p:txBody>
-          <a:bodyPr wrap="square">
-            <a:noAutofit/>
-          </a:bodyPr>
-          <a:lstStyle/>
-          <a:p>
-            <a:r>
-              <a:rPr lang="en-US" altLang="zh-CN" sz="1200">
-                <a:latin typeface="Consolas" panose="020B0609020204030204" pitchFamily="49" charset="0"/>
-                <a:ea typeface="+mj-ea"/>
-                <a:cs typeface="+mj-cs"/>
-              </a:rPr>
-              <a:t>Predicting runtime for FFT on Cortex-R5F</a:t>
-            </a:r>
-          </a:p>
-          <a:p>
-            <a:r>
-              <a:rPr lang="en-US" altLang="zh-CN" sz="1200">
-                <a:latin typeface="Consolas" panose="020B0609020204030204" pitchFamily="49" charset="0"/>
-                <a:ea typeface="+mj-ea"/>
-                <a:cs typeface="+mj-cs"/>
-              </a:rPr>
-              <a:t>Test size: 0.3, Lower bound: -1.0</a:t>
-            </a:r>
-          </a:p>
-          <a:p>
-            <a:r>
-              <a:rPr lang="en-US" altLang="zh-CN" sz="1200">
-                <a:latin typeface="Consolas" panose="020B0609020204030204" pitchFamily="49" charset="0"/>
-                <a:ea typeface="+mj-ea"/>
-                <a:cs typeface="+mj-cs"/>
-              </a:rPr>
-              <a:t>Method: random_forest</a:t>
-            </a:r>
-          </a:p>
-          <a:p>
-            <a:r>
-              <a:rPr lang="en-US" altLang="zh-CN" sz="1200">
-                <a:latin typeface="Consolas" panose="020B0609020204030204" pitchFamily="49" charset="0"/>
-                <a:ea typeface="+mj-ea"/>
-                <a:cs typeface="+mj-cs"/>
-              </a:rPr>
-              <a:t>Seed 1: MAPE=0.3518 (</a:t>
-            </a:r>
-            <a:r>
-              <a:rPr lang="zh-CN" altLang="en-US" sz="1200">
-                <a:latin typeface="Consolas" panose="020B0609020204030204" pitchFamily="49" charset="0"/>
-                <a:ea typeface="+mj-ea"/>
-                <a:cs typeface="+mj-cs"/>
-              </a:rPr>
-              <a:t>差</a:t>
-            </a:r>
-            <a:r>
-              <a:rPr lang="en-US" altLang="zh-CN" sz="1200">
-                <a:latin typeface="Consolas" panose="020B0609020204030204" pitchFamily="49" charset="0"/>
-                <a:ea typeface="+mj-ea"/>
-                <a:cs typeface="+mj-cs"/>
-              </a:rPr>
-              <a:t>), R2=0.0194, RMSE=234.8103 (s), RMSE%_mean=216.62% (</a:t>
-            </a:r>
-            <a:r>
-              <a:rPr lang="zh-CN" altLang="en-US" sz="1200">
-                <a:latin typeface="Consolas" panose="020B0609020204030204" pitchFamily="49" charset="0"/>
-                <a:ea typeface="+mj-ea"/>
-                <a:cs typeface="+mj-cs"/>
-              </a:rPr>
-              <a:t>差</a:t>
-            </a:r>
-            <a:r>
-              <a:rPr lang="en-US" altLang="zh-CN" sz="1200">
-                <a:latin typeface="Consolas" panose="020B0609020204030204" pitchFamily="49" charset="0"/>
-                <a:ea typeface="+mj-ea"/>
-                <a:cs typeface="+mj-cs"/>
-              </a:rPr>
-              <a:t>), RMSE%_range=27.32% (</a:t>
-            </a:r>
-            <a:r>
-              <a:rPr lang="zh-CN" altLang="en-US" sz="1200">
-                <a:latin typeface="Consolas" panose="020B0609020204030204" pitchFamily="49" charset="0"/>
-                <a:ea typeface="+mj-ea"/>
-                <a:cs typeface="+mj-cs"/>
-              </a:rPr>
-              <a:t>差</a:t>
-            </a:r>
-            <a:r>
-              <a:rPr lang="en-US" altLang="zh-CN" sz="1200">
-                <a:latin typeface="Consolas" panose="020B0609020204030204" pitchFamily="49" charset="0"/>
-                <a:ea typeface="+mj-ea"/>
-                <a:cs typeface="+mj-cs"/>
-              </a:rPr>
-              <a:t>), N=14</a:t>
-            </a:r>
-          </a:p>
-          <a:p>
-            <a:r>
-              <a:rPr lang="en-US" altLang="zh-CN" sz="1200">
-                <a:latin typeface="Consolas" panose="020B0609020204030204" pitchFamily="49" charset="0"/>
-                <a:ea typeface="+mj-ea"/>
-                <a:cs typeface="+mj-cs"/>
-              </a:rPr>
-              <a:t>Seed 2: MAPE=0.4503 (</a:t>
-            </a:r>
-            <a:r>
-              <a:rPr lang="zh-CN" altLang="en-US" sz="1200">
-                <a:latin typeface="Consolas" panose="020B0609020204030204" pitchFamily="49" charset="0"/>
-                <a:ea typeface="+mj-ea"/>
-                <a:cs typeface="+mj-cs"/>
-              </a:rPr>
-              <a:t>差</a:t>
-            </a:r>
-            <a:r>
-              <a:rPr lang="en-US" altLang="zh-CN" sz="1200">
-                <a:latin typeface="Consolas" panose="020B0609020204030204" pitchFamily="49" charset="0"/>
-                <a:ea typeface="+mj-ea"/>
-                <a:cs typeface="+mj-cs"/>
-              </a:rPr>
-              <a:t>), R2=0.5912, RMSE=141.3403 (s), RMSE%_mean=225.68% (</a:t>
-            </a:r>
-            <a:r>
-              <a:rPr lang="zh-CN" altLang="en-US" sz="1200">
-                <a:latin typeface="Consolas" panose="020B0609020204030204" pitchFamily="49" charset="0"/>
-                <a:ea typeface="+mj-ea"/>
-                <a:cs typeface="+mj-cs"/>
-              </a:rPr>
-              <a:t>差</a:t>
-            </a:r>
-            <a:r>
-              <a:rPr lang="en-US" altLang="zh-CN" sz="1200">
-                <a:latin typeface="Consolas" panose="020B0609020204030204" pitchFamily="49" charset="0"/>
-                <a:ea typeface="+mj-ea"/>
-                <a:cs typeface="+mj-cs"/>
-              </a:rPr>
-              <a:t>), RMSE%_range=16.44% (</a:t>
-            </a:r>
-            <a:r>
-              <a:rPr lang="zh-CN" altLang="en-US" sz="1200">
-                <a:latin typeface="Consolas" panose="020B0609020204030204" pitchFamily="49" charset="0"/>
-                <a:ea typeface="+mj-ea"/>
-                <a:cs typeface="+mj-cs"/>
-              </a:rPr>
-              <a:t>中等</a:t>
-            </a:r>
-            <a:r>
-              <a:rPr lang="en-US" altLang="zh-CN" sz="1200">
-                <a:latin typeface="Consolas" panose="020B0609020204030204" pitchFamily="49" charset="0"/>
-                <a:ea typeface="+mj-ea"/>
-                <a:cs typeface="+mj-cs"/>
-              </a:rPr>
-              <a:t>), N=14</a:t>
-            </a:r>
-          </a:p>
-          <a:p>
-            <a:r>
-              <a:rPr lang="en-US" altLang="zh-CN" sz="1200">
-                <a:latin typeface="Consolas" panose="020B0609020204030204" pitchFamily="49" charset="0"/>
-                <a:ea typeface="+mj-ea"/>
-                <a:cs typeface="+mj-cs"/>
-              </a:rPr>
-              <a:t>Seed 6: MAPE=0.2569 (</a:t>
-            </a:r>
-            <a:r>
-              <a:rPr lang="zh-CN" altLang="en-US" sz="1200">
-                <a:latin typeface="Consolas" panose="020B0609020204030204" pitchFamily="49" charset="0"/>
-                <a:ea typeface="+mj-ea"/>
-                <a:cs typeface="+mj-cs"/>
-              </a:rPr>
-              <a:t>差</a:t>
-            </a:r>
-            <a:r>
-              <a:rPr lang="en-US" altLang="zh-CN" sz="1200">
-                <a:latin typeface="Consolas" panose="020B0609020204030204" pitchFamily="49" charset="0"/>
-                <a:ea typeface="+mj-ea"/>
-                <a:cs typeface="+mj-cs"/>
-              </a:rPr>
-              <a:t>), R2=0.5849, RMSE=142.2317 (s), RMSE%_mean=219.72% (</a:t>
-            </a:r>
-            <a:r>
-              <a:rPr lang="zh-CN" altLang="en-US" sz="1200">
-                <a:latin typeface="Consolas" panose="020B0609020204030204" pitchFamily="49" charset="0"/>
-                <a:ea typeface="+mj-ea"/>
-                <a:cs typeface="+mj-cs"/>
-              </a:rPr>
-              <a:t>差</a:t>
-            </a:r>
-            <a:r>
-              <a:rPr lang="en-US" altLang="zh-CN" sz="1200">
-                <a:latin typeface="Consolas" panose="020B0609020204030204" pitchFamily="49" charset="0"/>
-                <a:ea typeface="+mj-ea"/>
-                <a:cs typeface="+mj-cs"/>
-              </a:rPr>
-              <a:t>), RMSE%_range=16.55% (</a:t>
-            </a:r>
-            <a:r>
-              <a:rPr lang="zh-CN" altLang="en-US" sz="1200">
-                <a:latin typeface="Consolas" panose="020B0609020204030204" pitchFamily="49" charset="0"/>
-                <a:ea typeface="+mj-ea"/>
-                <a:cs typeface="+mj-cs"/>
-              </a:rPr>
-              <a:t>中等</a:t>
-            </a:r>
-            <a:r>
-              <a:rPr lang="en-US" altLang="zh-CN" sz="1200">
-                <a:latin typeface="Consolas" panose="020B0609020204030204" pitchFamily="49" charset="0"/>
-                <a:ea typeface="+mj-ea"/>
-                <a:cs typeface="+mj-cs"/>
-              </a:rPr>
-              <a:t>), N=14</a:t>
-            </a:r>
-          </a:p>
-          <a:p>
-            <a:r>
-              <a:rPr lang="en-US" altLang="zh-CN" sz="1200">
-                <a:latin typeface="Consolas" panose="020B0609020204030204" pitchFamily="49" charset="0"/>
-                <a:ea typeface="+mj-ea"/>
-                <a:cs typeface="+mj-cs"/>
-              </a:rPr>
-              <a:t>Seed 42: MAPE=0.2629 (</a:t>
-            </a:r>
-            <a:r>
-              <a:rPr lang="zh-CN" altLang="en-US" sz="1200">
-                <a:latin typeface="Consolas" panose="020B0609020204030204" pitchFamily="49" charset="0"/>
-                <a:ea typeface="+mj-ea"/>
-                <a:cs typeface="+mj-cs"/>
-              </a:rPr>
-              <a:t>差</a:t>
-            </a:r>
-            <a:r>
-              <a:rPr lang="en-US" altLang="zh-CN" sz="1200">
-                <a:latin typeface="Consolas" panose="020B0609020204030204" pitchFamily="49" charset="0"/>
-                <a:ea typeface="+mj-ea"/>
-                <a:cs typeface="+mj-cs"/>
-              </a:rPr>
-              <a:t>), R2=0.5649, RMSE=7.7358 (s), RMSE%_mean=236.38% (</a:t>
-            </a:r>
-            <a:r>
-              <a:rPr lang="zh-CN" altLang="en-US" sz="1200">
-                <a:latin typeface="Consolas" panose="020B0609020204030204" pitchFamily="49" charset="0"/>
-                <a:ea typeface="+mj-ea"/>
-                <a:cs typeface="+mj-cs"/>
-              </a:rPr>
-              <a:t>差</a:t>
-            </a:r>
-            <a:r>
-              <a:rPr lang="en-US" altLang="zh-CN" sz="1200">
-                <a:latin typeface="Consolas" panose="020B0609020204030204" pitchFamily="49" charset="0"/>
-                <a:ea typeface="+mj-ea"/>
-                <a:cs typeface="+mj-cs"/>
-              </a:rPr>
-              <a:t>), RMSE%_range=16.98% (</a:t>
-            </a:r>
-            <a:r>
-              <a:rPr lang="zh-CN" altLang="en-US" sz="1200">
-                <a:latin typeface="Consolas" panose="020B0609020204030204" pitchFamily="49" charset="0"/>
-                <a:ea typeface="+mj-ea"/>
-                <a:cs typeface="+mj-cs"/>
-              </a:rPr>
-              <a:t>中等</a:t>
-            </a:r>
-            <a:r>
-              <a:rPr lang="en-US" altLang="zh-CN" sz="1200">
-                <a:latin typeface="Consolas" panose="020B0609020204030204" pitchFamily="49" charset="0"/>
-                <a:ea typeface="+mj-ea"/>
-                <a:cs typeface="+mj-cs"/>
-              </a:rPr>
-              <a:t>), N=14</a:t>
-            </a:r>
-          </a:p>
-          <a:p>
-            <a:r>
-              <a:rPr lang="en-US" altLang="zh-CN" sz="1200">
-                <a:latin typeface="Consolas" panose="020B0609020204030204" pitchFamily="49" charset="0"/>
-                <a:ea typeface="+mj-ea"/>
-                <a:cs typeface="+mj-cs"/>
-              </a:rPr>
-              <a:t>Seed 123: MAPE=0.3722 (</a:t>
-            </a:r>
-            <a:r>
-              <a:rPr lang="zh-CN" altLang="en-US" sz="1200">
-                <a:latin typeface="Consolas" panose="020B0609020204030204" pitchFamily="49" charset="0"/>
-                <a:ea typeface="+mj-ea"/>
-                <a:cs typeface="+mj-cs"/>
-              </a:rPr>
-              <a:t>差</a:t>
-            </a:r>
-            <a:r>
-              <a:rPr lang="en-US" altLang="zh-CN" sz="1200">
-                <a:latin typeface="Consolas" panose="020B0609020204030204" pitchFamily="49" charset="0"/>
-                <a:ea typeface="+mj-ea"/>
-                <a:cs typeface="+mj-cs"/>
-              </a:rPr>
-              <a:t>), R2=0.5932, RMSE=3.5653 (s), RMSE%_mean=219.74% (</a:t>
-            </a:r>
-            <a:r>
-              <a:rPr lang="zh-CN" altLang="en-US" sz="1200">
-                <a:latin typeface="Consolas" panose="020B0609020204030204" pitchFamily="49" charset="0"/>
-                <a:ea typeface="+mj-ea"/>
-                <a:cs typeface="+mj-cs"/>
-              </a:rPr>
-              <a:t>差</a:t>
-            </a:r>
-            <a:r>
-              <a:rPr lang="en-US" altLang="zh-CN" sz="1200">
-                <a:latin typeface="Consolas" panose="020B0609020204030204" pitchFamily="49" charset="0"/>
-                <a:ea typeface="+mj-ea"/>
-                <a:cs typeface="+mj-cs"/>
-              </a:rPr>
-              <a:t>), RMSE%_range=16.38% (</a:t>
-            </a:r>
-            <a:r>
-              <a:rPr lang="zh-CN" altLang="en-US" sz="1200">
-                <a:latin typeface="Consolas" panose="020B0609020204030204" pitchFamily="49" charset="0"/>
-                <a:ea typeface="+mj-ea"/>
-                <a:cs typeface="+mj-cs"/>
-              </a:rPr>
-              <a:t>中等</a:t>
-            </a:r>
-            <a:r>
-              <a:rPr lang="en-US" altLang="zh-CN" sz="1200">
-                <a:latin typeface="Consolas" panose="020B0609020204030204" pitchFamily="49" charset="0"/>
-                <a:ea typeface="+mj-ea"/>
-                <a:cs typeface="+mj-cs"/>
-              </a:rPr>
-              <a:t>), N=14</a:t>
-            </a:r>
-          </a:p>
-          <a:p>
-            <a:r>
-              <a:rPr lang="en-US" altLang="zh-CN" sz="1200">
-                <a:latin typeface="Consolas" panose="020B0609020204030204" pitchFamily="49" charset="0"/>
-                <a:ea typeface="+mj-ea"/>
-                <a:cs typeface="+mj-cs"/>
-              </a:rPr>
-              <a:t>Seed 2025: MAPE=0.2233 (</a:t>
-            </a:r>
-            <a:r>
-              <a:rPr lang="zh-CN" altLang="en-US" sz="1200">
-                <a:latin typeface="Consolas" panose="020B0609020204030204" pitchFamily="49" charset="0"/>
-                <a:ea typeface="+mj-ea"/>
-                <a:cs typeface="+mj-cs"/>
-              </a:rPr>
-              <a:t>差</a:t>
-            </a:r>
-            <a:r>
-              <a:rPr lang="en-US" altLang="zh-CN" sz="1200">
-                <a:latin typeface="Consolas" panose="020B0609020204030204" pitchFamily="49" charset="0"/>
-                <a:ea typeface="+mj-ea"/>
-                <a:cs typeface="+mj-cs"/>
-              </a:rPr>
-              <a:t>), R2=0.5940, RMSE=0.3835 (s), RMSE%_mean=227.97% (</a:t>
-            </a:r>
-            <a:r>
-              <a:rPr lang="zh-CN" altLang="en-US" sz="1200">
-                <a:latin typeface="Consolas" panose="020B0609020204030204" pitchFamily="49" charset="0"/>
-                <a:ea typeface="+mj-ea"/>
-                <a:cs typeface="+mj-cs"/>
-              </a:rPr>
-              <a:t>差</a:t>
-            </a:r>
-            <a:r>
-              <a:rPr lang="en-US" altLang="zh-CN" sz="1200">
-                <a:latin typeface="Consolas" panose="020B0609020204030204" pitchFamily="49" charset="0"/>
-                <a:ea typeface="+mj-ea"/>
-                <a:cs typeface="+mj-cs"/>
-              </a:rPr>
-              <a:t>), RMSE%_range=16.40% (</a:t>
-            </a:r>
-            <a:r>
-              <a:rPr lang="zh-CN" altLang="en-US" sz="1200">
-                <a:latin typeface="Consolas" panose="020B0609020204030204" pitchFamily="49" charset="0"/>
-                <a:ea typeface="+mj-ea"/>
-                <a:cs typeface="+mj-cs"/>
-              </a:rPr>
-              <a:t>中等</a:t>
-            </a:r>
-            <a:r>
-              <a:rPr lang="en-US" altLang="zh-CN" sz="1200">
-                <a:latin typeface="Consolas" panose="020B0609020204030204" pitchFamily="49" charset="0"/>
-                <a:ea typeface="+mj-ea"/>
-                <a:cs typeface="+mj-cs"/>
-              </a:rPr>
-              <a:t>), N=14</a:t>
-            </a:r>
-          </a:p>
-          <a:p>
-            <a:r>
-              <a:rPr lang="en-US" altLang="zh-CN" sz="1200">
-                <a:latin typeface="Consolas" panose="020B0609020204030204" pitchFamily="49" charset="0"/>
-                <a:ea typeface="+mj-ea"/>
-                <a:cs typeface="+mj-cs"/>
-              </a:rPr>
-              <a:t>Seed 33550336: MAPE=0.3418 (</a:t>
-            </a:r>
-            <a:r>
-              <a:rPr lang="zh-CN" altLang="en-US" sz="1200">
-                <a:latin typeface="Consolas" panose="020B0609020204030204" pitchFamily="49" charset="0"/>
-                <a:ea typeface="+mj-ea"/>
-                <a:cs typeface="+mj-cs"/>
-              </a:rPr>
-              <a:t>差</a:t>
-            </a:r>
-            <a:r>
-              <a:rPr lang="en-US" altLang="zh-CN" sz="1200">
-                <a:latin typeface="Consolas" panose="020B0609020204030204" pitchFamily="49" charset="0"/>
-                <a:ea typeface="+mj-ea"/>
-                <a:cs typeface="+mj-cs"/>
-              </a:rPr>
-              <a:t>), R2=0.5648, RMSE=145.7026 (s), RMSE%_mean=213.62% (</a:t>
-            </a:r>
-            <a:r>
-              <a:rPr lang="zh-CN" altLang="en-US" sz="1200">
-                <a:latin typeface="Consolas" panose="020B0609020204030204" pitchFamily="49" charset="0"/>
-                <a:ea typeface="+mj-ea"/>
-                <a:cs typeface="+mj-cs"/>
-              </a:rPr>
-              <a:t>差</a:t>
-            </a:r>
-            <a:r>
-              <a:rPr lang="en-US" altLang="zh-CN" sz="1200">
-                <a:latin typeface="Consolas" panose="020B0609020204030204" pitchFamily="49" charset="0"/>
-                <a:ea typeface="+mj-ea"/>
-                <a:cs typeface="+mj-cs"/>
-              </a:rPr>
-              <a:t>), RMSE%_range=16.95% (</a:t>
-            </a:r>
-            <a:r>
-              <a:rPr lang="zh-CN" altLang="en-US" sz="1200">
-                <a:latin typeface="Consolas" panose="020B0609020204030204" pitchFamily="49" charset="0"/>
-                <a:ea typeface="+mj-ea"/>
-                <a:cs typeface="+mj-cs"/>
-              </a:rPr>
-              <a:t>中等</a:t>
-            </a:r>
-            <a:r>
-              <a:rPr lang="en-US" altLang="zh-CN" sz="1200">
-                <a:latin typeface="Consolas" panose="020B0609020204030204" pitchFamily="49" charset="0"/>
-                <a:ea typeface="+mj-ea"/>
-                <a:cs typeface="+mj-cs"/>
-              </a:rPr>
-              <a:t>), N=14</a:t>
-            </a:r>
-          </a:p>
-          <a:p>
-            <a:endParaRPr lang="en-US" altLang="zh-CN" sz="1200">
-              <a:latin typeface="Consolas" panose="020B0609020204030204" pitchFamily="49" charset="0"/>
-              <a:ea typeface="+mj-ea"/>
-              <a:cs typeface="+mj-cs"/>
-            </a:endParaRPr>
-          </a:p>
-          <a:p>
-            <a:r>
-              <a:rPr lang="en-US" altLang="zh-CN" sz="1200">
-                <a:latin typeface="Consolas" panose="020B0609020204030204" pitchFamily="49" charset="0"/>
-                <a:ea typeface="+mj-ea"/>
-                <a:cs typeface="+mj-cs"/>
-              </a:rPr>
-              <a:t>MAPE: 0.3227 ± 0.0793 (</a:t>
-            </a:r>
-            <a:r>
-              <a:rPr lang="zh-CN" altLang="en-US" sz="1200">
-                <a:latin typeface="Consolas" panose="020B0609020204030204" pitchFamily="49" charset="0"/>
-                <a:ea typeface="+mj-ea"/>
-                <a:cs typeface="+mj-cs"/>
-              </a:rPr>
-              <a:t>差</a:t>
-            </a:r>
-            <a:r>
-              <a:rPr lang="en-US" altLang="zh-CN" sz="1200">
-                <a:latin typeface="Consolas" panose="020B0609020204030204" pitchFamily="49" charset="0"/>
-                <a:ea typeface="+mj-ea"/>
-                <a:cs typeface="+mj-cs"/>
-              </a:rPr>
-              <a:t>)</a:t>
-            </a:r>
-          </a:p>
-          <a:p>
-            <a:r>
-              <a:rPr lang="en-US" altLang="zh-CN" sz="1200">
-                <a:latin typeface="Consolas" panose="020B0609020204030204" pitchFamily="49" charset="0"/>
-                <a:ea typeface="+mj-ea"/>
-                <a:cs typeface="+mj-cs"/>
-              </a:rPr>
-              <a:t>R2:   0.5018 ± 0.2131</a:t>
-            </a:r>
-          </a:p>
-          <a:p>
-            <a:r>
-              <a:rPr lang="en-US" altLang="zh-CN" sz="1200">
-                <a:latin typeface="Consolas" panose="020B0609020204030204" pitchFamily="49" charset="0"/>
-                <a:ea typeface="+mj-ea"/>
-                <a:cs typeface="+mj-cs"/>
-              </a:rPr>
-              <a:t>RMSE: 96.5385 ± 92.5626 (s)</a:t>
-            </a:r>
-          </a:p>
-          <a:p>
-            <a:r>
-              <a:rPr lang="en-US" altLang="zh-CN" sz="1200">
-                <a:latin typeface="Consolas" panose="020B0609020204030204" pitchFamily="49" charset="0"/>
-                <a:ea typeface="+mj-ea"/>
-                <a:cs typeface="+mj-cs"/>
-              </a:rPr>
-              <a:t>RMSE%_mean: 222.82% ± 7.75% (</a:t>
-            </a:r>
-            <a:r>
-              <a:rPr lang="zh-CN" altLang="en-US" sz="1200">
-                <a:latin typeface="Consolas" panose="020B0609020204030204" pitchFamily="49" charset="0"/>
-                <a:ea typeface="+mj-ea"/>
-                <a:cs typeface="+mj-cs"/>
-              </a:rPr>
-              <a:t>差</a:t>
-            </a:r>
-            <a:r>
-              <a:rPr lang="en-US" altLang="zh-CN" sz="1200">
-                <a:latin typeface="Consolas" panose="020B0609020204030204" pitchFamily="49" charset="0"/>
-                <a:ea typeface="+mj-ea"/>
-                <a:cs typeface="+mj-cs"/>
-              </a:rPr>
-              <a:t>)</a:t>
-            </a:r>
-          </a:p>
-          <a:p>
-            <a:r>
-              <a:rPr lang="en-US" altLang="zh-CN" sz="1200">
-                <a:latin typeface="Consolas" panose="020B0609020204030204" pitchFamily="49" charset="0"/>
-                <a:ea typeface="+mj-ea"/>
-                <a:cs typeface="+mj-cs"/>
-              </a:rPr>
-              <a:t>RMSE%_range: 18.14% ± 4.05% (</a:t>
-            </a:r>
-            <a:r>
-              <a:rPr lang="zh-CN" altLang="en-US" sz="1200">
-                <a:latin typeface="Consolas" panose="020B0609020204030204" pitchFamily="49" charset="0"/>
-                <a:ea typeface="+mj-ea"/>
-                <a:cs typeface="+mj-cs"/>
-              </a:rPr>
-              <a:t>中等</a:t>
-            </a:r>
-            <a:r>
-              <a:rPr lang="en-US" altLang="zh-CN" sz="1200">
-                <a:latin typeface="Consolas" panose="020B0609020204030204" pitchFamily="49" charset="0"/>
-                <a:ea typeface="+mj-ea"/>
-                <a:cs typeface="+mj-cs"/>
-              </a:rPr>
-              <a:t>)</a:t>
-            </a:r>
-            <a:endParaRPr lang="zh-CN" altLang="en-US" sz="1200">
-              <a:latin typeface="Consolas" panose="020B0609020204030204" pitchFamily="49" charset="0"/>
-              <a:ea typeface="+mj-ea"/>
-              <a:cs typeface="+mj-cs"/>
-            </a:endParaRPr>
-          </a:p>
-        </p:txBody>
-      </p:sp>
-      <p:sp>
-        <p:nvSpPr>
-          <p:cNvPr id="11" name="文本框 10"/>
-          <p:cNvSpPr txBox="1"/>
-          <p:nvPr/>
-        </p:nvSpPr>
-        <p:spPr>
-          <a:xfrm>
-            <a:off x="9434830" y="3009265"/>
-            <a:ext cx="2333625" cy="229870"/>
-          </a:xfrm>
-          <a:prstGeom prst="rect">
-            <a:avLst/>
-          </a:prstGeom>
-          <a:solidFill>
-            <a:schemeClr val="accent5">
-              <a:lumMod val="40000"/>
-              <a:lumOff val="60000"/>
-            </a:schemeClr>
-          </a:solidFill>
-        </p:spPr>
-        <p:txBody>
-          <a:bodyPr wrap="square" rtlCol="0" anchor="t">
-            <a:spAutoFit/>
-          </a:bodyPr>
-          <a:lstStyle/>
-          <a:p>
-            <a:r>
-              <a:rPr lang="zh-CN" altLang="en-US" sz="900" dirty="0">
-                <a:sym typeface="+mn-ea"/>
-              </a:rPr>
-              <a:t>引入</a:t>
-            </a:r>
-            <a:r>
-              <a:rPr lang="en-US" altLang="zh-CN" sz="900" dirty="0" err="1">
-                <a:sym typeface="+mn-ea"/>
-              </a:rPr>
-              <a:t>RandomizedSearchCV</a:t>
-            </a:r>
-            <a:r>
-              <a:rPr lang="zh-CN" altLang="en-US" sz="900" dirty="0">
-                <a:sym typeface="+mn-ea"/>
-              </a:rPr>
-              <a:t>自动搜索参数</a:t>
-            </a:r>
-          </a:p>
-        </p:txBody>
-      </p:sp>
-      <p:sp>
-        <p:nvSpPr>
-          <p:cNvPr id="13" name="文本框 12"/>
-          <p:cNvSpPr txBox="1"/>
-          <p:nvPr/>
-        </p:nvSpPr>
-        <p:spPr>
-          <a:xfrm>
-            <a:off x="4141470" y="2779395"/>
-            <a:ext cx="810895" cy="229870"/>
-          </a:xfrm>
-          <a:prstGeom prst="rect">
-            <a:avLst/>
-          </a:prstGeom>
-          <a:solidFill>
-            <a:schemeClr val="accent5">
-              <a:lumMod val="40000"/>
-              <a:lumOff val="60000"/>
-            </a:schemeClr>
-          </a:solidFill>
-        </p:spPr>
-        <p:txBody>
-          <a:bodyPr wrap="square" rtlCol="0" anchor="t">
-            <a:spAutoFit/>
-          </a:bodyPr>
-          <a:lstStyle/>
-          <a:p>
-            <a:r>
-              <a:rPr lang="zh-CN" altLang="en-US" sz="900" dirty="0">
-                <a:sym typeface="+mn-ea"/>
-              </a:rPr>
-              <a:t>手动调参</a:t>
-            </a:r>
           </a:p>
         </p:txBody>
       </p:sp>
